--- a/docs/hvml-agent-before-V1.0.pptx
+++ b/docs/hvml-agent-before-V1.0.pptx
@@ -11,6 +11,8 @@
     <p:sldId id="258" r:id="rId5"/>
     <p:sldId id="260" r:id="rId6"/>
     <p:sldId id="261" r:id="rId7"/>
+    <p:sldId id="262" r:id="rId8"/>
+    <p:sldId id="263" r:id="rId9"/>
   </p:sldIdLst>
   <p:sldSz cx="9144000" cy="6858000" type="screen4x3"/>
   <p:notesSz cx="6858000" cy="9144000"/>
@@ -109,6 +111,22 @@
       </a:defRPr>
     </a:lvl9pPr>
   </p:defaultTextStyle>
+  <p:extLst>
+    <p:ext uri="{EFAFB233-063F-42B5-8137-9DF3F51BA10A}">
+      <p15:sldGuideLst xmlns:p15="http://schemas.microsoft.com/office/powerpoint/2012/main">
+        <p15:guide id="1" orient="horz" pos="2160">
+          <p15:clr>
+            <a:srgbClr val="A4A3A4"/>
+          </p15:clr>
+        </p15:guide>
+        <p15:guide id="2" pos="2880">
+          <p15:clr>
+            <a:srgbClr val="A4A3A4"/>
+          </p15:clr>
+        </p15:guide>
+      </p15:sldGuideLst>
+    </p:ext>
+  </p:extLst>
 </p:presentation>
 </file>
 
@@ -150,10 +168,9 @@
           <a:lstStyle/>
           <a:p>
             <a:r>
-              <a:rPr lang="zh-CN" altLang="en-US" smtClean="0"/>
+              <a:rPr lang="zh-CN" altLang="en-US"/>
               <a:t>单击此处编辑母版标题样式</a:t>
             </a:r>
-            <a:endParaRPr lang="zh-CN" altLang="en-US"/>
           </a:p>
         </p:txBody>
       </p:sp>
@@ -269,10 +286,9 @@
           </a:lstStyle>
           <a:p>
             <a:r>
-              <a:rPr lang="zh-CN" altLang="en-US" smtClean="0"/>
+              <a:rPr lang="zh-CN" altLang="en-US"/>
               <a:t>单击此处编辑母版副标题样式</a:t>
             </a:r>
-            <a:endParaRPr lang="zh-CN" altLang="en-US"/>
           </a:p>
         </p:txBody>
       </p:sp>
@@ -293,7 +309,7 @@
           <a:p>
             <a:fld id="{530820CF-B880-4189-942D-D702A7CBA730}" type="datetimeFigureOut">
               <a:rPr lang="zh-CN" altLang="en-US" smtClean="0"/>
-              <a:t>2020/11/8</a:t>
+              <a:t>2020/11/13</a:t>
             </a:fld>
             <a:endParaRPr lang="zh-CN" altLang="en-US"/>
           </a:p>
@@ -382,10 +398,9 @@
           <a:lstStyle/>
           <a:p>
             <a:r>
-              <a:rPr lang="zh-CN" altLang="en-US" smtClean="0"/>
+              <a:rPr lang="zh-CN" altLang="en-US"/>
               <a:t>单击此处编辑母版标题样式</a:t>
             </a:r>
-            <a:endParaRPr lang="zh-CN" altLang="en-US"/>
           </a:p>
         </p:txBody>
       </p:sp>
@@ -406,38 +421,37 @@
           <a:p>
             <a:pPr lvl="0"/>
             <a:r>
-              <a:rPr lang="zh-CN" altLang="en-US" smtClean="0"/>
+              <a:rPr lang="zh-CN" altLang="en-US"/>
               <a:t>单击此处编辑母版文本样式</a:t>
             </a:r>
           </a:p>
           <a:p>
             <a:pPr lvl="1"/>
             <a:r>
-              <a:rPr lang="zh-CN" altLang="en-US" smtClean="0"/>
+              <a:rPr lang="zh-CN" altLang="en-US"/>
               <a:t>第二级</a:t>
             </a:r>
           </a:p>
           <a:p>
             <a:pPr lvl="2"/>
             <a:r>
-              <a:rPr lang="zh-CN" altLang="en-US" smtClean="0"/>
+              <a:rPr lang="zh-CN" altLang="en-US"/>
               <a:t>第三级</a:t>
             </a:r>
           </a:p>
           <a:p>
             <a:pPr lvl="3"/>
             <a:r>
-              <a:rPr lang="zh-CN" altLang="en-US" smtClean="0"/>
+              <a:rPr lang="zh-CN" altLang="en-US"/>
               <a:t>第四级</a:t>
             </a:r>
           </a:p>
           <a:p>
             <a:pPr lvl="4"/>
             <a:r>
-              <a:rPr lang="zh-CN" altLang="en-US" smtClean="0"/>
+              <a:rPr lang="zh-CN" altLang="en-US"/>
               <a:t>第五级</a:t>
             </a:r>
-            <a:endParaRPr lang="zh-CN" altLang="en-US"/>
           </a:p>
         </p:txBody>
       </p:sp>
@@ -458,7 +472,7 @@
           <a:p>
             <a:fld id="{530820CF-B880-4189-942D-D702A7CBA730}" type="datetimeFigureOut">
               <a:rPr lang="zh-CN" altLang="en-US" smtClean="0"/>
-              <a:t>2020/11/8</a:t>
+              <a:t>2020/11/13</a:t>
             </a:fld>
             <a:endParaRPr lang="zh-CN" altLang="en-US"/>
           </a:p>
@@ -552,10 +566,9 @@
           <a:lstStyle/>
           <a:p>
             <a:r>
-              <a:rPr lang="zh-CN" altLang="en-US" smtClean="0"/>
+              <a:rPr lang="zh-CN" altLang="en-US"/>
               <a:t>单击此处编辑母版标题样式</a:t>
             </a:r>
-            <a:endParaRPr lang="zh-CN" altLang="en-US"/>
           </a:p>
         </p:txBody>
       </p:sp>
@@ -581,38 +594,37 @@
           <a:p>
             <a:pPr lvl="0"/>
             <a:r>
-              <a:rPr lang="zh-CN" altLang="en-US" smtClean="0"/>
+              <a:rPr lang="zh-CN" altLang="en-US"/>
               <a:t>单击此处编辑母版文本样式</a:t>
             </a:r>
           </a:p>
           <a:p>
             <a:pPr lvl="1"/>
             <a:r>
-              <a:rPr lang="zh-CN" altLang="en-US" smtClean="0"/>
+              <a:rPr lang="zh-CN" altLang="en-US"/>
               <a:t>第二级</a:t>
             </a:r>
           </a:p>
           <a:p>
             <a:pPr lvl="2"/>
             <a:r>
-              <a:rPr lang="zh-CN" altLang="en-US" smtClean="0"/>
+              <a:rPr lang="zh-CN" altLang="en-US"/>
               <a:t>第三级</a:t>
             </a:r>
           </a:p>
           <a:p>
             <a:pPr lvl="3"/>
             <a:r>
-              <a:rPr lang="zh-CN" altLang="en-US" smtClean="0"/>
+              <a:rPr lang="zh-CN" altLang="en-US"/>
               <a:t>第四级</a:t>
             </a:r>
           </a:p>
           <a:p>
             <a:pPr lvl="4"/>
             <a:r>
-              <a:rPr lang="zh-CN" altLang="en-US" smtClean="0"/>
+              <a:rPr lang="zh-CN" altLang="en-US"/>
               <a:t>第五级</a:t>
             </a:r>
-            <a:endParaRPr lang="zh-CN" altLang="en-US"/>
           </a:p>
         </p:txBody>
       </p:sp>
@@ -633,7 +645,7 @@
           <a:p>
             <a:fld id="{530820CF-B880-4189-942D-D702A7CBA730}" type="datetimeFigureOut">
               <a:rPr lang="zh-CN" altLang="en-US" smtClean="0"/>
-              <a:t>2020/11/8</a:t>
+              <a:t>2020/11/13</a:t>
             </a:fld>
             <a:endParaRPr lang="zh-CN" altLang="en-US"/>
           </a:p>
@@ -722,10 +734,9 @@
           <a:lstStyle/>
           <a:p>
             <a:r>
-              <a:rPr lang="zh-CN" altLang="en-US" smtClean="0"/>
+              <a:rPr lang="zh-CN" altLang="en-US"/>
               <a:t>单击此处编辑母版标题样式</a:t>
             </a:r>
-            <a:endParaRPr lang="zh-CN" altLang="en-US"/>
           </a:p>
         </p:txBody>
       </p:sp>
@@ -746,38 +757,37 @@
           <a:p>
             <a:pPr lvl="0"/>
             <a:r>
-              <a:rPr lang="zh-CN" altLang="en-US" smtClean="0"/>
+              <a:rPr lang="zh-CN" altLang="en-US"/>
               <a:t>单击此处编辑母版文本样式</a:t>
             </a:r>
           </a:p>
           <a:p>
             <a:pPr lvl="1"/>
             <a:r>
-              <a:rPr lang="zh-CN" altLang="en-US" smtClean="0"/>
+              <a:rPr lang="zh-CN" altLang="en-US"/>
               <a:t>第二级</a:t>
             </a:r>
           </a:p>
           <a:p>
             <a:pPr lvl="2"/>
             <a:r>
-              <a:rPr lang="zh-CN" altLang="en-US" smtClean="0"/>
+              <a:rPr lang="zh-CN" altLang="en-US"/>
               <a:t>第三级</a:t>
             </a:r>
           </a:p>
           <a:p>
             <a:pPr lvl="3"/>
             <a:r>
-              <a:rPr lang="zh-CN" altLang="en-US" smtClean="0"/>
+              <a:rPr lang="zh-CN" altLang="en-US"/>
               <a:t>第四级</a:t>
             </a:r>
           </a:p>
           <a:p>
             <a:pPr lvl="4"/>
             <a:r>
-              <a:rPr lang="zh-CN" altLang="en-US" smtClean="0"/>
+              <a:rPr lang="zh-CN" altLang="en-US"/>
               <a:t>第五级</a:t>
             </a:r>
-            <a:endParaRPr lang="zh-CN" altLang="en-US"/>
           </a:p>
         </p:txBody>
       </p:sp>
@@ -798,7 +808,7 @@
           <a:p>
             <a:fld id="{530820CF-B880-4189-942D-D702A7CBA730}" type="datetimeFigureOut">
               <a:rPr lang="zh-CN" altLang="en-US" smtClean="0"/>
-              <a:t>2020/11/8</a:t>
+              <a:t>2020/11/13</a:t>
             </a:fld>
             <a:endParaRPr lang="zh-CN" altLang="en-US"/>
           </a:p>
@@ -896,10 +906,9 @@
           </a:lstStyle>
           <a:p>
             <a:r>
-              <a:rPr lang="zh-CN" altLang="en-US" smtClean="0"/>
+              <a:rPr lang="zh-CN" altLang="en-US"/>
               <a:t>单击此处编辑母版标题样式</a:t>
             </a:r>
-            <a:endParaRPr lang="zh-CN" altLang="en-US"/>
           </a:p>
         </p:txBody>
       </p:sp>
@@ -1016,7 +1025,7 @@
           <a:p>
             <a:pPr lvl="0"/>
             <a:r>
-              <a:rPr lang="zh-CN" altLang="en-US" smtClean="0"/>
+              <a:rPr lang="zh-CN" altLang="en-US"/>
               <a:t>单击此处编辑母版文本样式</a:t>
             </a:r>
           </a:p>
@@ -1039,7 +1048,7 @@
           <a:p>
             <a:fld id="{530820CF-B880-4189-942D-D702A7CBA730}" type="datetimeFigureOut">
               <a:rPr lang="zh-CN" altLang="en-US" smtClean="0"/>
-              <a:t>2020/11/8</a:t>
+              <a:t>2020/11/13</a:t>
             </a:fld>
             <a:endParaRPr lang="zh-CN" altLang="en-US"/>
           </a:p>
@@ -1128,10 +1137,9 @@
           <a:lstStyle/>
           <a:p>
             <a:r>
-              <a:rPr lang="zh-CN" altLang="en-US" smtClean="0"/>
+              <a:rPr lang="zh-CN" altLang="en-US"/>
               <a:t>单击此处编辑母版标题样式</a:t>
             </a:r>
-            <a:endParaRPr lang="zh-CN" altLang="en-US"/>
           </a:p>
         </p:txBody>
       </p:sp>
@@ -1185,38 +1193,37 @@
           <a:p>
             <a:pPr lvl="0"/>
             <a:r>
-              <a:rPr lang="zh-CN" altLang="en-US" smtClean="0"/>
+              <a:rPr lang="zh-CN" altLang="en-US"/>
               <a:t>单击此处编辑母版文本样式</a:t>
             </a:r>
           </a:p>
           <a:p>
             <a:pPr lvl="1"/>
             <a:r>
-              <a:rPr lang="zh-CN" altLang="en-US" smtClean="0"/>
+              <a:rPr lang="zh-CN" altLang="en-US"/>
               <a:t>第二级</a:t>
             </a:r>
           </a:p>
           <a:p>
             <a:pPr lvl="2"/>
             <a:r>
-              <a:rPr lang="zh-CN" altLang="en-US" smtClean="0"/>
+              <a:rPr lang="zh-CN" altLang="en-US"/>
               <a:t>第三级</a:t>
             </a:r>
           </a:p>
           <a:p>
             <a:pPr lvl="3"/>
             <a:r>
-              <a:rPr lang="zh-CN" altLang="en-US" smtClean="0"/>
+              <a:rPr lang="zh-CN" altLang="en-US"/>
               <a:t>第四级</a:t>
             </a:r>
           </a:p>
           <a:p>
             <a:pPr lvl="4"/>
             <a:r>
-              <a:rPr lang="zh-CN" altLang="en-US" smtClean="0"/>
+              <a:rPr lang="zh-CN" altLang="en-US"/>
               <a:t>第五级</a:t>
             </a:r>
-            <a:endParaRPr lang="zh-CN" altLang="en-US"/>
           </a:p>
         </p:txBody>
       </p:sp>
@@ -1270,38 +1277,37 @@
           <a:p>
             <a:pPr lvl="0"/>
             <a:r>
-              <a:rPr lang="zh-CN" altLang="en-US" smtClean="0"/>
+              <a:rPr lang="zh-CN" altLang="en-US"/>
               <a:t>单击此处编辑母版文本样式</a:t>
             </a:r>
           </a:p>
           <a:p>
             <a:pPr lvl="1"/>
             <a:r>
-              <a:rPr lang="zh-CN" altLang="en-US" smtClean="0"/>
+              <a:rPr lang="zh-CN" altLang="en-US"/>
               <a:t>第二级</a:t>
             </a:r>
           </a:p>
           <a:p>
             <a:pPr lvl="2"/>
             <a:r>
-              <a:rPr lang="zh-CN" altLang="en-US" smtClean="0"/>
+              <a:rPr lang="zh-CN" altLang="en-US"/>
               <a:t>第三级</a:t>
             </a:r>
           </a:p>
           <a:p>
             <a:pPr lvl="3"/>
             <a:r>
-              <a:rPr lang="zh-CN" altLang="en-US" smtClean="0"/>
+              <a:rPr lang="zh-CN" altLang="en-US"/>
               <a:t>第四级</a:t>
             </a:r>
           </a:p>
           <a:p>
             <a:pPr lvl="4"/>
             <a:r>
-              <a:rPr lang="zh-CN" altLang="en-US" smtClean="0"/>
+              <a:rPr lang="zh-CN" altLang="en-US"/>
               <a:t>第五级</a:t>
             </a:r>
-            <a:endParaRPr lang="zh-CN" altLang="en-US"/>
           </a:p>
         </p:txBody>
       </p:sp>
@@ -1322,7 +1328,7 @@
           <a:p>
             <a:fld id="{530820CF-B880-4189-942D-D702A7CBA730}" type="datetimeFigureOut">
               <a:rPr lang="zh-CN" altLang="en-US" smtClean="0"/>
-              <a:t>2020/11/8</a:t>
+              <a:t>2020/11/13</a:t>
             </a:fld>
             <a:endParaRPr lang="zh-CN" altLang="en-US"/>
           </a:p>
@@ -1415,10 +1421,9 @@
           </a:lstStyle>
           <a:p>
             <a:r>
-              <a:rPr lang="zh-CN" altLang="en-US" smtClean="0"/>
+              <a:rPr lang="zh-CN" altLang="en-US"/>
               <a:t>单击此处编辑母版标题样式</a:t>
             </a:r>
-            <a:endParaRPr lang="zh-CN" altLang="en-US"/>
           </a:p>
         </p:txBody>
       </p:sp>
@@ -1481,7 +1486,7 @@
           <a:p>
             <a:pPr lvl="0"/>
             <a:r>
-              <a:rPr lang="zh-CN" altLang="en-US" smtClean="0"/>
+              <a:rPr lang="zh-CN" altLang="en-US"/>
               <a:t>单击此处编辑母版文本样式</a:t>
             </a:r>
           </a:p>
@@ -1537,38 +1542,37 @@
           <a:p>
             <a:pPr lvl="0"/>
             <a:r>
-              <a:rPr lang="zh-CN" altLang="en-US" smtClean="0"/>
+              <a:rPr lang="zh-CN" altLang="en-US"/>
               <a:t>单击此处编辑母版文本样式</a:t>
             </a:r>
           </a:p>
           <a:p>
             <a:pPr lvl="1"/>
             <a:r>
-              <a:rPr lang="zh-CN" altLang="en-US" smtClean="0"/>
+              <a:rPr lang="zh-CN" altLang="en-US"/>
               <a:t>第二级</a:t>
             </a:r>
           </a:p>
           <a:p>
             <a:pPr lvl="2"/>
             <a:r>
-              <a:rPr lang="zh-CN" altLang="en-US" smtClean="0"/>
+              <a:rPr lang="zh-CN" altLang="en-US"/>
               <a:t>第三级</a:t>
             </a:r>
           </a:p>
           <a:p>
             <a:pPr lvl="3"/>
             <a:r>
-              <a:rPr lang="zh-CN" altLang="en-US" smtClean="0"/>
+              <a:rPr lang="zh-CN" altLang="en-US"/>
               <a:t>第四级</a:t>
             </a:r>
           </a:p>
           <a:p>
             <a:pPr lvl="4"/>
             <a:r>
-              <a:rPr lang="zh-CN" altLang="en-US" smtClean="0"/>
+              <a:rPr lang="zh-CN" altLang="en-US"/>
               <a:t>第五级</a:t>
             </a:r>
-            <a:endParaRPr lang="zh-CN" altLang="en-US"/>
           </a:p>
         </p:txBody>
       </p:sp>
@@ -1631,7 +1635,7 @@
           <a:p>
             <a:pPr lvl="0"/>
             <a:r>
-              <a:rPr lang="zh-CN" altLang="en-US" smtClean="0"/>
+              <a:rPr lang="zh-CN" altLang="en-US"/>
               <a:t>单击此处编辑母版文本样式</a:t>
             </a:r>
           </a:p>
@@ -1687,38 +1691,37 @@
           <a:p>
             <a:pPr lvl="0"/>
             <a:r>
-              <a:rPr lang="zh-CN" altLang="en-US" smtClean="0"/>
+              <a:rPr lang="zh-CN" altLang="en-US"/>
               <a:t>单击此处编辑母版文本样式</a:t>
             </a:r>
           </a:p>
           <a:p>
             <a:pPr lvl="1"/>
             <a:r>
-              <a:rPr lang="zh-CN" altLang="en-US" smtClean="0"/>
+              <a:rPr lang="zh-CN" altLang="en-US"/>
               <a:t>第二级</a:t>
             </a:r>
           </a:p>
           <a:p>
             <a:pPr lvl="2"/>
             <a:r>
-              <a:rPr lang="zh-CN" altLang="en-US" smtClean="0"/>
+              <a:rPr lang="zh-CN" altLang="en-US"/>
               <a:t>第三级</a:t>
             </a:r>
           </a:p>
           <a:p>
             <a:pPr lvl="3"/>
             <a:r>
-              <a:rPr lang="zh-CN" altLang="en-US" smtClean="0"/>
+              <a:rPr lang="zh-CN" altLang="en-US"/>
               <a:t>第四级</a:t>
             </a:r>
           </a:p>
           <a:p>
             <a:pPr lvl="4"/>
             <a:r>
-              <a:rPr lang="zh-CN" altLang="en-US" smtClean="0"/>
+              <a:rPr lang="zh-CN" altLang="en-US"/>
               <a:t>第五级</a:t>
             </a:r>
-            <a:endParaRPr lang="zh-CN" altLang="en-US"/>
           </a:p>
         </p:txBody>
       </p:sp>
@@ -1739,7 +1742,7 @@
           <a:p>
             <a:fld id="{530820CF-B880-4189-942D-D702A7CBA730}" type="datetimeFigureOut">
               <a:rPr lang="zh-CN" altLang="en-US" smtClean="0"/>
-              <a:t>2020/11/8</a:t>
+              <a:t>2020/11/13</a:t>
             </a:fld>
             <a:endParaRPr lang="zh-CN" altLang="en-US"/>
           </a:p>
@@ -1828,10 +1831,9 @@
           <a:lstStyle/>
           <a:p>
             <a:r>
-              <a:rPr lang="zh-CN" altLang="en-US" smtClean="0"/>
+              <a:rPr lang="zh-CN" altLang="en-US"/>
               <a:t>单击此处编辑母版标题样式</a:t>
             </a:r>
-            <a:endParaRPr lang="zh-CN" altLang="en-US"/>
           </a:p>
         </p:txBody>
       </p:sp>
@@ -1852,7 +1854,7 @@
           <a:p>
             <a:fld id="{530820CF-B880-4189-942D-D702A7CBA730}" type="datetimeFigureOut">
               <a:rPr lang="zh-CN" altLang="en-US" smtClean="0"/>
-              <a:t>2020/11/8</a:t>
+              <a:t>2020/11/13</a:t>
             </a:fld>
             <a:endParaRPr lang="zh-CN" altLang="en-US"/>
           </a:p>
@@ -1942,7 +1944,7 @@
           <a:p>
             <a:fld id="{530820CF-B880-4189-942D-D702A7CBA730}" type="datetimeFigureOut">
               <a:rPr lang="zh-CN" altLang="en-US" smtClean="0"/>
-              <a:t>2020/11/8</a:t>
+              <a:t>2020/11/13</a:t>
             </a:fld>
             <a:endParaRPr lang="zh-CN" altLang="en-US"/>
           </a:p>
@@ -2040,10 +2042,9 @@
           </a:lstStyle>
           <a:p>
             <a:r>
-              <a:rPr lang="zh-CN" altLang="en-US" smtClean="0"/>
+              <a:rPr lang="zh-CN" altLang="en-US"/>
               <a:t>单击此处编辑母版标题样式</a:t>
             </a:r>
-            <a:endParaRPr lang="zh-CN" altLang="en-US"/>
           </a:p>
         </p:txBody>
       </p:sp>
@@ -2097,38 +2098,37 @@
           <a:p>
             <a:pPr lvl="0"/>
             <a:r>
-              <a:rPr lang="zh-CN" altLang="en-US" smtClean="0"/>
+              <a:rPr lang="zh-CN" altLang="en-US"/>
               <a:t>单击此处编辑母版文本样式</a:t>
             </a:r>
           </a:p>
           <a:p>
             <a:pPr lvl="1"/>
             <a:r>
-              <a:rPr lang="zh-CN" altLang="en-US" smtClean="0"/>
+              <a:rPr lang="zh-CN" altLang="en-US"/>
               <a:t>第二级</a:t>
             </a:r>
           </a:p>
           <a:p>
             <a:pPr lvl="2"/>
             <a:r>
-              <a:rPr lang="zh-CN" altLang="en-US" smtClean="0"/>
+              <a:rPr lang="zh-CN" altLang="en-US"/>
               <a:t>第三级</a:t>
             </a:r>
           </a:p>
           <a:p>
             <a:pPr lvl="3"/>
             <a:r>
-              <a:rPr lang="zh-CN" altLang="en-US" smtClean="0"/>
+              <a:rPr lang="zh-CN" altLang="en-US"/>
               <a:t>第四级</a:t>
             </a:r>
           </a:p>
           <a:p>
             <a:pPr lvl="4"/>
             <a:r>
-              <a:rPr lang="zh-CN" altLang="en-US" smtClean="0"/>
+              <a:rPr lang="zh-CN" altLang="en-US"/>
               <a:t>第五级</a:t>
             </a:r>
-            <a:endParaRPr lang="zh-CN" altLang="en-US"/>
           </a:p>
         </p:txBody>
       </p:sp>
@@ -2191,7 +2191,7 @@
           <a:p>
             <a:pPr lvl="0"/>
             <a:r>
-              <a:rPr lang="zh-CN" altLang="en-US" smtClean="0"/>
+              <a:rPr lang="zh-CN" altLang="en-US"/>
               <a:t>单击此处编辑母版文本样式</a:t>
             </a:r>
           </a:p>
@@ -2214,7 +2214,7 @@
           <a:p>
             <a:fld id="{530820CF-B880-4189-942D-D702A7CBA730}" type="datetimeFigureOut">
               <a:rPr lang="zh-CN" altLang="en-US" smtClean="0"/>
-              <a:t>2020/11/8</a:t>
+              <a:t>2020/11/13</a:t>
             </a:fld>
             <a:endParaRPr lang="zh-CN" altLang="en-US"/>
           </a:p>
@@ -2312,10 +2312,9 @@
           </a:lstStyle>
           <a:p>
             <a:r>
-              <a:rPr lang="zh-CN" altLang="en-US" smtClean="0"/>
+              <a:rPr lang="zh-CN" altLang="en-US"/>
               <a:t>单击此处编辑母版标题样式</a:t>
             </a:r>
-            <a:endParaRPr lang="zh-CN" altLang="en-US"/>
           </a:p>
         </p:txBody>
       </p:sp>
@@ -2439,7 +2438,7 @@
           <a:p>
             <a:pPr lvl="0"/>
             <a:r>
-              <a:rPr lang="zh-CN" altLang="en-US" smtClean="0"/>
+              <a:rPr lang="zh-CN" altLang="en-US"/>
               <a:t>单击此处编辑母版文本样式</a:t>
             </a:r>
           </a:p>
@@ -2462,7 +2461,7 @@
           <a:p>
             <a:fld id="{530820CF-B880-4189-942D-D702A7CBA730}" type="datetimeFigureOut">
               <a:rPr lang="zh-CN" altLang="en-US" smtClean="0"/>
-              <a:t>2020/11/8</a:t>
+              <a:t>2020/11/13</a:t>
             </a:fld>
             <a:endParaRPr lang="zh-CN" altLang="en-US"/>
           </a:p>
@@ -2566,10 +2565,9 @@
           <a:lstStyle/>
           <a:p>
             <a:r>
-              <a:rPr lang="zh-CN" altLang="en-US" smtClean="0"/>
+              <a:rPr lang="zh-CN" altLang="en-US"/>
               <a:t>单击此处编辑母版标题样式</a:t>
             </a:r>
-            <a:endParaRPr lang="zh-CN" altLang="en-US"/>
           </a:p>
         </p:txBody>
       </p:sp>
@@ -2600,38 +2598,37 @@
           <a:p>
             <a:pPr lvl="0"/>
             <a:r>
-              <a:rPr lang="zh-CN" altLang="en-US" smtClean="0"/>
+              <a:rPr lang="zh-CN" altLang="en-US"/>
               <a:t>单击此处编辑母版文本样式</a:t>
             </a:r>
           </a:p>
           <a:p>
             <a:pPr lvl="1"/>
             <a:r>
-              <a:rPr lang="zh-CN" altLang="en-US" smtClean="0"/>
+              <a:rPr lang="zh-CN" altLang="en-US"/>
               <a:t>第二级</a:t>
             </a:r>
           </a:p>
           <a:p>
             <a:pPr lvl="2"/>
             <a:r>
-              <a:rPr lang="zh-CN" altLang="en-US" smtClean="0"/>
+              <a:rPr lang="zh-CN" altLang="en-US"/>
               <a:t>第三级</a:t>
             </a:r>
           </a:p>
           <a:p>
             <a:pPr lvl="3"/>
             <a:r>
-              <a:rPr lang="zh-CN" altLang="en-US" smtClean="0"/>
+              <a:rPr lang="zh-CN" altLang="en-US"/>
               <a:t>第四级</a:t>
             </a:r>
           </a:p>
           <a:p>
             <a:pPr lvl="4"/>
             <a:r>
-              <a:rPr lang="zh-CN" altLang="en-US" smtClean="0"/>
+              <a:rPr lang="zh-CN" altLang="en-US"/>
               <a:t>第五级</a:t>
             </a:r>
-            <a:endParaRPr lang="zh-CN" altLang="en-US"/>
           </a:p>
         </p:txBody>
       </p:sp>
@@ -2670,7 +2667,7 @@
           <a:p>
             <a:fld id="{530820CF-B880-4189-942D-D702A7CBA730}" type="datetimeFigureOut">
               <a:rPr lang="zh-CN" altLang="en-US" smtClean="0"/>
-              <a:t>2020/11/8</a:t>
+              <a:t>2020/11/13</a:t>
             </a:fld>
             <a:endParaRPr lang="zh-CN" altLang="en-US"/>
           </a:p>
@@ -3056,7 +3053,7 @@
           <a:lstStyle/>
           <a:p>
             <a:r>
-              <a:rPr lang="en-US" altLang="zh-CN" dirty="0" smtClean="0"/>
+              <a:rPr lang="en-US" altLang="zh-CN" dirty="0"/>
               <a:t>Hvml-agent-before-V1.0</a:t>
             </a:r>
             <a:endParaRPr lang="zh-CN" altLang="en-US" dirty="0"/>
@@ -3079,7 +3076,7 @@
           <a:lstStyle/>
           <a:p>
             <a:r>
-              <a:rPr lang="en-US" altLang="zh-CN" dirty="0" smtClean="0"/>
+              <a:rPr lang="en-US" altLang="zh-CN" dirty="0"/>
               <a:t>Design Handbook</a:t>
             </a:r>
           </a:p>
@@ -3095,13 +3092,6 @@
   <p:clrMapOvr>
     <a:masterClrMapping/>
   </p:clrMapOvr>
-  <p:timing>
-    <p:tnLst>
-      <p:par>
-        <p:cTn id="1" dur="indefinite" restart="never" nodeType="tmRoot"/>
-      </p:par>
-    </p:tnLst>
-  </p:timing>
 </p:sld>
 </file>
 
@@ -3138,7 +3128,7 @@
           <a:lstStyle/>
           <a:p>
             <a:r>
-              <a:rPr lang="en-US" altLang="zh-CN" dirty="0" smtClean="0"/>
+              <a:rPr lang="en-US" altLang="zh-CN" dirty="0"/>
               <a:t>V0.1</a:t>
             </a:r>
             <a:endParaRPr lang="zh-CN" altLang="en-US" dirty="0"/>
@@ -3161,7 +3151,7 @@
           <a:lstStyle/>
           <a:p>
             <a:r>
-              <a:rPr lang="en-US" altLang="zh-CN" dirty="0" smtClean="0"/>
+              <a:rPr lang="en-US" altLang="zh-CN" dirty="0"/>
               <a:t>Design Handbook</a:t>
             </a:r>
           </a:p>
@@ -3177,13 +3167,6 @@
   <p:clrMapOvr>
     <a:masterClrMapping/>
   </p:clrMapOvr>
-  <p:timing>
-    <p:tnLst>
-      <p:par>
-        <p:cTn id="1" dur="indefinite" restart="never" nodeType="tmRoot"/>
-      </p:par>
-    </p:tnLst>
-  </p:timing>
 </p:sld>
 </file>
 
@@ -3266,11 +3249,11 @@
           <a:p>
             <a:pPr algn="ctr"/>
             <a:r>
-              <a:rPr lang="en-US" altLang="zh-CN" dirty="0" smtClean="0"/>
+              <a:rPr lang="en-US" altLang="zh-CN" dirty="0"/>
               <a:t>.</a:t>
             </a:r>
             <a:r>
-              <a:rPr lang="en-US" altLang="zh-CN" dirty="0" err="1" smtClean="0"/>
+              <a:rPr lang="en-US" altLang="zh-CN" dirty="0" err="1"/>
               <a:t>hvml</a:t>
             </a:r>
             <a:endParaRPr lang="zh-CN" altLang="en-US" dirty="0"/>
@@ -3350,7 +3333,7 @@
           <a:p>
             <a:pPr algn="ctr"/>
             <a:r>
-              <a:rPr lang="en-US" altLang="zh-CN" dirty="0" err="1" smtClean="0"/>
+              <a:rPr lang="en-US" altLang="zh-CN" dirty="0" err="1"/>
               <a:t>vDOM</a:t>
             </a:r>
             <a:endParaRPr lang="zh-CN" altLang="en-US" dirty="0"/>
@@ -3435,11 +3418,7 @@
             <a:pPr algn="ctr"/>
             <a:r>
               <a:rPr lang="en-US" altLang="zh-CN" dirty="0" err="1"/>
-              <a:t>u</a:t>
-            </a:r>
-            <a:r>
-              <a:rPr lang="en-US" altLang="zh-CN" dirty="0" err="1" smtClean="0"/>
-              <a:t>DOM</a:t>
+              <a:t>uDOM</a:t>
             </a:r>
             <a:endParaRPr lang="zh-CN" altLang="en-US" dirty="0"/>
           </a:p>
@@ -3469,7 +3448,7 @@
           <a:p>
             <a:pPr algn="ctr"/>
             <a:r>
-              <a:rPr lang="en-US" altLang="zh-CN" dirty="0" err="1" smtClean="0">
+              <a:rPr lang="en-US" altLang="zh-CN" dirty="0" err="1">
                 <a:solidFill>
                   <a:srgbClr val="FF0000"/>
                 </a:solidFill>
@@ -3588,7 +3567,7 @@
           <a:p>
             <a:pPr algn="ctr"/>
             <a:r>
-              <a:rPr lang="en-US" altLang="zh-CN" dirty="0" smtClean="0"/>
+              <a:rPr lang="en-US" altLang="zh-CN" dirty="0"/>
               <a:t>.html</a:t>
             </a:r>
             <a:endParaRPr lang="zh-CN" altLang="en-US" dirty="0"/>
@@ -3698,7 +3677,7 @@
           <a:p>
             <a:pPr algn="ctr"/>
             <a:r>
-              <a:rPr lang="zh-CN" altLang="en-US" dirty="0" smtClean="0"/>
+              <a:rPr lang="zh-CN" altLang="en-US" dirty="0"/>
               <a:t>刷</a:t>
             </a:r>
             <a:endParaRPr lang="en-US" altLang="zh-CN" dirty="0"/>
@@ -3728,7 +3707,7 @@
           <a:lstStyle/>
           <a:p>
             <a:r>
-              <a:rPr lang="en-US" altLang="zh-CN" dirty="0" err="1" smtClean="0">
+              <a:rPr lang="en-US" altLang="zh-CN" dirty="0" err="1">
                 <a:solidFill>
                   <a:srgbClr val="FF0000"/>
                 </a:solidFill>
@@ -3814,10 +3793,9 @@
           <a:p>
             <a:pPr algn="ctr"/>
             <a:r>
-              <a:rPr lang="zh-CN" altLang="en-US" dirty="0" smtClean="0"/>
+              <a:rPr lang="zh-CN" altLang="en-US" dirty="0"/>
               <a:t>事件响应队列</a:t>
             </a:r>
-            <a:endParaRPr lang="zh-CN" altLang="en-US" dirty="0"/>
           </a:p>
         </p:txBody>
       </p:sp>
@@ -3856,18 +3834,17 @@
           <a:p>
             <a:pPr algn="ctr"/>
             <a:r>
-              <a:rPr lang="zh-CN" altLang="en-US" dirty="0" smtClean="0"/>
+              <a:rPr lang="zh-CN" altLang="en-US" dirty="0"/>
               <a:t>数据驱动</a:t>
             </a:r>
-            <a:endParaRPr lang="en-US" altLang="zh-CN" dirty="0" smtClean="0"/>
-          </a:p>
-          <a:p>
-            <a:pPr algn="ctr"/>
-            <a:r>
-              <a:rPr lang="zh-CN" altLang="en-US" dirty="0" smtClean="0"/>
+            <a:endParaRPr lang="en-US" altLang="zh-CN" dirty="0"/>
+          </a:p>
+          <a:p>
+            <a:pPr algn="ctr"/>
+            <a:r>
+              <a:rPr lang="zh-CN" altLang="en-US" dirty="0"/>
               <a:t>队列</a:t>
             </a:r>
-            <a:endParaRPr lang="zh-CN" altLang="en-US" dirty="0"/>
           </a:p>
         </p:txBody>
       </p:sp>
@@ -3894,10 +3871,9 @@
           <a:lstStyle/>
           <a:p>
             <a:r>
-              <a:rPr lang="en-US" altLang="zh-CN" dirty="0" smtClean="0"/>
+              <a:rPr lang="en-US" altLang="zh-CN" dirty="0"/>
               <a:t>vector&lt;.&gt;</a:t>
             </a:r>
-            <a:endParaRPr lang="en-US" altLang="zh-CN" dirty="0"/>
           </a:p>
         </p:txBody>
       </p:sp>
@@ -4061,7 +4037,7 @@
           <a:lstStyle/>
           <a:p>
             <a:r>
-              <a:rPr lang="zh-CN" altLang="en-US" dirty="0" smtClean="0"/>
+              <a:rPr lang="zh-CN" altLang="en-US" dirty="0"/>
               <a:t>其它部分</a:t>
             </a:r>
             <a:endParaRPr lang="en-US" altLang="zh-CN" dirty="0"/>
@@ -4203,10 +4179,9 @@
           <a:p>
             <a:pPr algn="ctr"/>
             <a:r>
-              <a:rPr lang="en-US" altLang="zh-CN" dirty="0" smtClean="0"/>
+              <a:rPr lang="en-US" altLang="zh-CN" dirty="0"/>
               <a:t>http listener</a:t>
             </a:r>
-            <a:endParaRPr lang="en-US" altLang="zh-CN" dirty="0"/>
           </a:p>
         </p:txBody>
       </p:sp>
@@ -4272,34 +4247,33 @@
           <a:p>
             <a:pPr algn="ctr"/>
             <a:r>
-              <a:rPr lang="zh-CN" altLang="en-US" dirty="0" smtClean="0"/>
+              <a:rPr lang="zh-CN" altLang="en-US" dirty="0"/>
               <a:t>插入</a:t>
             </a:r>
             <a:r>
-              <a:rPr lang="en-US" altLang="zh-CN" dirty="0" err="1" smtClean="0"/>
+              <a:rPr lang="en-US" altLang="zh-CN" dirty="0" err="1"/>
               <a:t>css</a:t>
             </a:r>
             <a:r>
-              <a:rPr lang="zh-CN" altLang="en-US" dirty="0" smtClean="0"/>
+              <a:rPr lang="zh-CN" altLang="en-US" dirty="0"/>
               <a:t>、</a:t>
             </a:r>
             <a:r>
-              <a:rPr lang="en-US" altLang="zh-CN" dirty="0" err="1" smtClean="0"/>
+              <a:rPr lang="en-US" altLang="zh-CN" dirty="0" err="1"/>
               <a:t>js</a:t>
             </a:r>
             <a:r>
-              <a:rPr lang="zh-CN" altLang="en-US" dirty="0" smtClean="0"/>
+              <a:rPr lang="zh-CN" altLang="en-US" dirty="0"/>
               <a:t>等</a:t>
             </a:r>
-            <a:endParaRPr lang="en-US" altLang="zh-CN" dirty="0" smtClean="0"/>
-          </a:p>
-          <a:p>
-            <a:pPr algn="ctr"/>
-            <a:r>
-              <a:rPr lang="zh-CN" altLang="en-US" dirty="0" smtClean="0"/>
+            <a:endParaRPr lang="en-US" altLang="zh-CN" dirty="0"/>
+          </a:p>
+          <a:p>
+            <a:pPr algn="ctr"/>
+            <a:r>
+              <a:rPr lang="zh-CN" altLang="en-US" dirty="0"/>
               <a:t>辅助成分</a:t>
             </a:r>
-            <a:endParaRPr lang="zh-CN" altLang="en-US" dirty="0"/>
           </a:p>
         </p:txBody>
       </p:sp>
@@ -4435,10 +4409,9 @@
           <a:p>
             <a:pPr algn="ctr"/>
             <a:r>
-              <a:rPr lang="zh-CN" altLang="en-US" dirty="0" smtClean="0"/>
+              <a:rPr lang="zh-CN" altLang="en-US" dirty="0"/>
               <a:t>同步机制</a:t>
             </a:r>
-            <a:endParaRPr lang="zh-CN" altLang="en-US" dirty="0"/>
           </a:p>
         </p:txBody>
       </p:sp>
@@ -4467,13 +4440,8 @@
             <a:pPr algn="ctr"/>
             <a:r>
               <a:rPr lang="zh-CN" altLang="en-US" dirty="0"/>
-              <a:t>处理</a:t>
-            </a:r>
-            <a:r>
-              <a:rPr lang="zh-CN" altLang="en-US" dirty="0" smtClean="0"/>
-              <a:t>机制，可能需要调用外部脚本</a:t>
-            </a:r>
-            <a:endParaRPr lang="zh-CN" altLang="en-US" dirty="0"/>
+              <a:t>处理机制，可能需要调用外部脚本</a:t>
+            </a:r>
           </a:p>
         </p:txBody>
       </p:sp>
@@ -4501,7 +4469,7 @@
           <a:p>
             <a:pPr algn="ctr"/>
             <a:r>
-              <a:rPr lang="en-US" altLang="zh-CN" dirty="0" err="1" smtClean="0">
+              <a:rPr lang="en-US" altLang="zh-CN" dirty="0" err="1">
                 <a:solidFill>
                   <a:srgbClr val="0070C0"/>
                 </a:solidFill>
@@ -4540,7 +4508,7 @@
           <a:p>
             <a:pPr algn="ctr"/>
             <a:r>
-              <a:rPr lang="en-US" altLang="zh-CN" dirty="0" err="1" smtClean="0">
+              <a:rPr lang="en-US" altLang="zh-CN" dirty="0" err="1">
                 <a:solidFill>
                   <a:srgbClr val="0070C0"/>
                 </a:solidFill>
@@ -4579,7 +4547,7 @@
           <a:p>
             <a:pPr algn="ctr"/>
             <a:r>
-              <a:rPr lang="en-US" altLang="zh-CN" dirty="0" err="1" smtClean="0">
+              <a:rPr lang="en-US" altLang="zh-CN" dirty="0" err="1">
                 <a:solidFill>
                   <a:srgbClr val="0070C0"/>
                 </a:solidFill>
@@ -4618,18 +4586,18 @@
           <a:p>
             <a:pPr algn="ctr"/>
             <a:r>
-              <a:rPr lang="en-US" altLang="zh-CN" dirty="0" err="1" smtClean="0"/>
+              <a:rPr lang="en-US" altLang="zh-CN" dirty="0" err="1"/>
               <a:t>hvml</a:t>
             </a:r>
             <a:r>
-              <a:rPr lang="en-US" altLang="zh-CN" dirty="0" smtClean="0"/>
+              <a:rPr lang="en-US" altLang="zh-CN" dirty="0"/>
               <a:t>-agent</a:t>
             </a:r>
           </a:p>
           <a:p>
             <a:pPr algn="ctr"/>
             <a:r>
-              <a:rPr lang="zh-CN" altLang="en-US" dirty="0" smtClean="0"/>
+              <a:rPr lang="zh-CN" altLang="en-US" dirty="0"/>
               <a:t>的三个数据成员</a:t>
             </a:r>
             <a:endParaRPr lang="en-US" altLang="zh-CN" dirty="0"/>
@@ -4697,7 +4665,7 @@
           <a:lstStyle/>
           <a:p>
             <a:r>
-              <a:rPr lang="en-US" altLang="zh-CN" dirty="0" err="1" smtClean="0">
+              <a:rPr lang="en-US" altLang="zh-CN" dirty="0" err="1">
                 <a:solidFill>
                   <a:srgbClr val="0070C0"/>
                 </a:solidFill>
@@ -4735,7 +4703,7 @@
           <a:lstStyle/>
           <a:p>
             <a:r>
-              <a:rPr lang="en-US" altLang="zh-CN" dirty="0" err="1" smtClean="0">
+              <a:rPr lang="en-US" altLang="zh-CN" dirty="0" err="1">
                 <a:solidFill>
                   <a:srgbClr val="0070C0"/>
                 </a:solidFill>
@@ -4773,7 +4741,7 @@
           <a:lstStyle/>
           <a:p>
             <a:r>
-              <a:rPr lang="en-US" altLang="zh-CN" dirty="0" err="1" smtClean="0">
+              <a:rPr lang="en-US" altLang="zh-CN" dirty="0" err="1">
                 <a:solidFill>
                   <a:srgbClr val="0070C0"/>
                 </a:solidFill>
@@ -4812,7 +4780,7 @@
           <a:p>
             <a:pPr algn="ctr"/>
             <a:r>
-              <a:rPr lang="en-US" altLang="zh-CN" dirty="0" err="1" smtClean="0">
+              <a:rPr lang="en-US" altLang="zh-CN" dirty="0" err="1">
                 <a:solidFill>
                   <a:srgbClr val="FF0000"/>
                 </a:solidFill>
@@ -4820,7 +4788,7 @@
               <a:t>Hvml</a:t>
             </a:r>
             <a:r>
-              <a:rPr lang="zh-CN" altLang="en-US" dirty="0" smtClean="0">
+              <a:rPr lang="zh-CN" altLang="en-US" dirty="0">
                 <a:solidFill>
                   <a:srgbClr val="FF0000"/>
                 </a:solidFill>
@@ -4828,7 +4796,7 @@
               <a:t>的</a:t>
             </a:r>
             <a:r>
-              <a:rPr lang="en-US" altLang="zh-CN" dirty="0" smtClean="0">
+              <a:rPr lang="en-US" altLang="zh-CN" dirty="0">
                 <a:solidFill>
                   <a:srgbClr val="FF0000"/>
                 </a:solidFill>
@@ -4836,7 +4804,7 @@
               <a:t>runtime</a:t>
             </a:r>
             <a:r>
-              <a:rPr lang="zh-CN" altLang="en-US" dirty="0" smtClean="0">
+              <a:rPr lang="zh-CN" altLang="en-US" dirty="0">
                 <a:solidFill>
                   <a:srgbClr val="FF0000"/>
                 </a:solidFill>
@@ -4844,7 +4812,7 @@
               <a:t>形态即</a:t>
             </a:r>
             <a:r>
-              <a:rPr lang="en-US" altLang="zh-CN" dirty="0" err="1" smtClean="0">
+              <a:rPr lang="en-US" altLang="zh-CN" dirty="0" err="1">
                 <a:solidFill>
                   <a:srgbClr val="FF0000"/>
                 </a:solidFill>
@@ -4852,18 +4820,13 @@
               <a:t>hvml</a:t>
             </a:r>
             <a:r>
-              <a:rPr lang="en-US" altLang="zh-CN" dirty="0" smtClean="0">
+              <a:rPr lang="en-US" altLang="zh-CN" dirty="0">
                 <a:solidFill>
                   <a:srgbClr val="FF0000"/>
                 </a:solidFill>
               </a:rPr>
               <a:t>-agent</a:t>
             </a:r>
-            <a:endParaRPr lang="en-US" altLang="zh-CN" dirty="0">
-              <a:solidFill>
-                <a:srgbClr val="FF0000"/>
-              </a:solidFill>
-            </a:endParaRPr>
           </a:p>
         </p:txBody>
       </p:sp>
@@ -4923,10 +4886,9 @@
           <a:lstStyle/>
           <a:p>
             <a:r>
-              <a:rPr lang="en-US" altLang="zh-CN" dirty="0" smtClean="0"/>
+              <a:rPr lang="en-US" altLang="zh-CN" dirty="0"/>
               <a:t>http listener</a:t>
             </a:r>
-            <a:endParaRPr lang="en-US" altLang="zh-CN" dirty="0"/>
           </a:p>
         </p:txBody>
       </p:sp>
@@ -4954,7 +4916,7 @@
           <a:p>
             <a:pPr algn="ctr"/>
             <a:r>
-              <a:rPr lang="en-US" altLang="zh-CN" dirty="0" err="1" smtClean="0">
+              <a:rPr lang="en-US" altLang="zh-CN" dirty="0" err="1">
                 <a:solidFill>
                   <a:srgbClr val="FF0000"/>
                 </a:solidFill>
@@ -4962,7 +4924,7 @@
               <a:t>hvml</a:t>
             </a:r>
             <a:r>
-              <a:rPr lang="en-US" altLang="zh-CN" dirty="0" smtClean="0">
+              <a:rPr lang="en-US" altLang="zh-CN" dirty="0">
                 <a:solidFill>
                   <a:srgbClr val="FF0000"/>
                 </a:solidFill>
@@ -4970,7 +4932,7 @@
               <a:t>-agent</a:t>
             </a:r>
             <a:r>
-              <a:rPr lang="zh-CN" altLang="en-US" dirty="0" smtClean="0">
+              <a:rPr lang="zh-CN" altLang="en-US" dirty="0">
                 <a:solidFill>
                   <a:srgbClr val="FF0000"/>
                 </a:solidFill>
@@ -5008,10 +4970,9 @@
           <a:lstStyle/>
           <a:p>
             <a:r>
-              <a:rPr lang="en-US" altLang="zh-CN" dirty="0" smtClean="0"/>
+              <a:rPr lang="en-US" altLang="zh-CN" dirty="0"/>
               <a:t>timer</a:t>
             </a:r>
-            <a:endParaRPr lang="en-US" altLang="zh-CN" dirty="0"/>
           </a:p>
         </p:txBody>
       </p:sp>
@@ -5038,12 +4999,8 @@
           <a:lstStyle/>
           <a:p>
             <a:r>
-              <a:rPr lang="en-US" altLang="zh-CN" dirty="0" smtClean="0"/>
-              <a:t>EXCEPTION and </a:t>
-            </a:r>
-            <a:r>
               <a:rPr lang="en-US" altLang="zh-CN" dirty="0"/>
-              <a:t>ERROR</a:t>
+              <a:t>EXCEPTION and ERROR</a:t>
             </a:r>
           </a:p>
         </p:txBody>
@@ -5072,18 +5029,18 @@
           <a:p>
             <a:pPr algn="ctr"/>
             <a:r>
-              <a:rPr lang="en-US" altLang="zh-CN" dirty="0" err="1" smtClean="0"/>
+              <a:rPr lang="en-US" altLang="zh-CN" dirty="0" err="1"/>
               <a:t>hvml</a:t>
             </a:r>
             <a:r>
-              <a:rPr lang="en-US" altLang="zh-CN" dirty="0" smtClean="0"/>
+              <a:rPr lang="en-US" altLang="zh-CN" dirty="0"/>
               <a:t>-agent</a:t>
             </a:r>
           </a:p>
           <a:p>
             <a:pPr algn="ctr"/>
             <a:r>
-              <a:rPr lang="zh-CN" altLang="en-US" dirty="0" smtClean="0"/>
+              <a:rPr lang="zh-CN" altLang="en-US" dirty="0"/>
               <a:t>的函数（事件驱动）</a:t>
             </a:r>
             <a:endParaRPr lang="en-US" altLang="zh-CN" dirty="0"/>
@@ -5100,13 +5057,6 @@
   <p:clrMapOvr>
     <a:masterClrMapping/>
   </p:clrMapOvr>
-  <p:timing>
-    <p:tnLst>
-      <p:par>
-        <p:cTn id="1" dur="indefinite" restart="never" nodeType="tmRoot"/>
-      </p:par>
-    </p:tnLst>
-  </p:timing>
 </p:sld>
 </file>
 
@@ -5162,10 +5112,9 @@
           <a:p>
             <a:pPr algn="ctr"/>
             <a:r>
-              <a:rPr lang="zh-CN" altLang="en-US" dirty="0" smtClean="0"/>
+              <a:rPr lang="zh-CN" altLang="en-US" dirty="0"/>
               <a:t>事件响应队列</a:t>
             </a:r>
-            <a:endParaRPr lang="zh-CN" altLang="en-US" dirty="0"/>
           </a:p>
         </p:txBody>
       </p:sp>
@@ -5192,10 +5141,9 @@
           <a:lstStyle/>
           <a:p>
             <a:r>
-              <a:rPr lang="en-US" altLang="zh-CN" dirty="0" smtClean="0"/>
+              <a:rPr lang="en-US" altLang="zh-CN" dirty="0"/>
               <a:t>&lt;observe ….&gt;</a:t>
             </a:r>
-            <a:endParaRPr lang="en-US" altLang="zh-CN" dirty="0"/>
           </a:p>
         </p:txBody>
       </p:sp>
@@ -5234,15 +5182,15 @@
           <a:p>
             <a:pPr algn="ctr"/>
             <a:r>
-              <a:rPr lang="en-US" altLang="zh-CN" dirty="0" smtClean="0"/>
+              <a:rPr lang="en-US" altLang="zh-CN" dirty="0"/>
               <a:t>on:  </a:t>
             </a:r>
             <a:r>
-              <a:rPr lang="zh-CN" altLang="en-US" dirty="0" smtClean="0"/>
+              <a:rPr lang="zh-CN" altLang="en-US" dirty="0"/>
               <a:t>目标</a:t>
             </a:r>
             <a:r>
-              <a:rPr lang="en-US" altLang="zh-CN" dirty="0" smtClean="0"/>
+              <a:rPr lang="en-US" altLang="zh-CN" dirty="0"/>
               <a:t>DOM</a:t>
             </a:r>
             <a:endParaRPr lang="zh-CN" altLang="en-US" dirty="0"/>
@@ -5284,7 +5232,7 @@
           <a:p>
             <a:pPr algn="ctr"/>
             <a:r>
-              <a:rPr lang="en-US" altLang="zh-CN" dirty="0" smtClean="0"/>
+              <a:rPr lang="en-US" altLang="zh-CN" dirty="0"/>
               <a:t>for</a:t>
             </a:r>
           </a:p>
@@ -5294,15 +5242,15 @@
           </a:p>
           <a:p>
             <a:pPr algn="ctr"/>
-            <a:endParaRPr lang="en-US" altLang="zh-CN" dirty="0" smtClean="0"/>
-          </a:p>
-          <a:p>
-            <a:pPr algn="ctr"/>
             <a:endParaRPr lang="en-US" altLang="zh-CN" dirty="0"/>
           </a:p>
           <a:p>
             <a:pPr algn="ctr"/>
-            <a:endParaRPr lang="en-US" altLang="zh-CN" dirty="0" smtClean="0"/>
+            <a:endParaRPr lang="en-US" altLang="zh-CN" dirty="0"/>
+          </a:p>
+          <a:p>
+            <a:pPr algn="ctr"/>
+            <a:endParaRPr lang="en-US" altLang="zh-CN" dirty="0"/>
           </a:p>
           <a:p>
             <a:pPr algn="ctr"/>
@@ -5345,10 +5293,9 @@
           <a:p>
             <a:pPr algn="ctr"/>
             <a:r>
-              <a:rPr lang="zh-CN" altLang="en-US" dirty="0" smtClean="0"/>
+              <a:rPr lang="zh-CN" altLang="en-US" dirty="0"/>
               <a:t>事件队列</a:t>
             </a:r>
-            <a:endParaRPr lang="zh-CN" altLang="en-US" dirty="0"/>
           </a:p>
         </p:txBody>
       </p:sp>
@@ -5376,10 +5323,9 @@
           <a:p>
             <a:pPr algn="ctr"/>
             <a:r>
-              <a:rPr lang="en-US" altLang="zh-CN" dirty="0" smtClean="0"/>
+              <a:rPr lang="en-US" altLang="zh-CN" dirty="0"/>
               <a:t>http listener</a:t>
             </a:r>
-            <a:endParaRPr lang="en-US" altLang="zh-CN" dirty="0"/>
           </a:p>
         </p:txBody>
       </p:sp>
@@ -5456,10 +5402,9 @@
           <a:p>
             <a:pPr algn="ctr"/>
             <a:r>
-              <a:rPr lang="zh-CN" altLang="en-US" dirty="0" smtClean="0"/>
+              <a:rPr lang="zh-CN" altLang="en-US" dirty="0"/>
               <a:t>注册事件类型</a:t>
             </a:r>
-            <a:endParaRPr lang="zh-CN" altLang="en-US" dirty="0"/>
           </a:p>
         </p:txBody>
       </p:sp>
@@ -5498,10 +5443,9 @@
           <a:p>
             <a:pPr algn="ctr"/>
             <a:r>
-              <a:rPr lang="zh-CN" altLang="en-US" dirty="0" smtClean="0"/>
+              <a:rPr lang="zh-CN" altLang="en-US" dirty="0"/>
               <a:t>处理过程</a:t>
             </a:r>
-            <a:endParaRPr lang="zh-CN" altLang="en-US" dirty="0"/>
           </a:p>
         </p:txBody>
       </p:sp>
@@ -5540,7 +5484,7 @@
           <a:p>
             <a:pPr algn="ctr"/>
             <a:r>
-              <a:rPr lang="zh-CN" altLang="en-US" dirty="0" smtClean="0">
+              <a:rPr lang="zh-CN" altLang="en-US" dirty="0">
                 <a:solidFill>
                   <a:schemeClr val="dk1"/>
                 </a:solidFill>
@@ -5691,7 +5635,7 @@
           <a:p>
             <a:pPr algn="ctr"/>
             <a:r>
-              <a:rPr lang="zh-CN" altLang="en-US" dirty="0" smtClean="0"/>
+              <a:rPr lang="zh-CN" altLang="en-US" dirty="0"/>
               <a:t>回调</a:t>
             </a:r>
             <a:endParaRPr lang="en-US" altLang="zh-CN" dirty="0"/>
@@ -5734,17 +5678,12 @@
             <a:pPr algn="ctr"/>
             <a:r>
               <a:rPr lang="en-US" altLang="zh-CN" dirty="0"/>
-              <a:t>m</a:t>
-            </a:r>
-            <a:r>
-              <a:rPr lang="en-US" altLang="zh-CN" dirty="0" smtClean="0"/>
-              <a:t>atch </a:t>
-            </a:r>
-            <a:r>
-              <a:rPr lang="zh-CN" altLang="en-US" dirty="0" smtClean="0"/>
+              <a:t>match </a:t>
+            </a:r>
+            <a:r>
+              <a:rPr lang="zh-CN" altLang="en-US" dirty="0"/>
               <a:t>参数</a:t>
             </a:r>
-            <a:endParaRPr lang="zh-CN" altLang="en-US" dirty="0"/>
           </a:p>
         </p:txBody>
       </p:sp>
@@ -5783,11 +5722,11 @@
           <a:p>
             <a:pPr algn="ctr"/>
             <a:r>
-              <a:rPr lang="en-US" altLang="zh-CN" dirty="0" smtClean="0"/>
+              <a:rPr lang="en-US" altLang="zh-CN" dirty="0"/>
               <a:t>JSON </a:t>
             </a:r>
             <a:r>
-              <a:rPr lang="en-US" altLang="zh-CN" dirty="0" err="1" smtClean="0"/>
+              <a:rPr lang="en-US" altLang="zh-CN" dirty="0" err="1"/>
               <a:t>eval</a:t>
             </a:r>
             <a:endParaRPr lang="zh-CN" altLang="en-US" dirty="0"/>
@@ -5829,10 +5768,9 @@
           <a:p>
             <a:pPr algn="ctr"/>
             <a:r>
-              <a:rPr lang="zh-CN" altLang="en-US" dirty="0" smtClean="0"/>
+              <a:rPr lang="zh-CN" altLang="en-US" dirty="0"/>
               <a:t>外部脚本</a:t>
             </a:r>
-            <a:endParaRPr lang="zh-CN" altLang="en-US" dirty="0"/>
           </a:p>
         </p:txBody>
       </p:sp>
@@ -5906,14 +5844,13 @@
           <a:p>
             <a:pPr algn="ctr"/>
             <a:r>
-              <a:rPr lang="en-US" altLang="zh-CN" dirty="0" smtClean="0"/>
+              <a:rPr lang="en-US" altLang="zh-CN" dirty="0"/>
               <a:t>value </a:t>
             </a:r>
             <a:r>
-              <a:rPr lang="zh-CN" altLang="en-US" dirty="0" smtClean="0"/>
+              <a:rPr lang="zh-CN" altLang="en-US" dirty="0"/>
               <a:t>表达式求值</a:t>
             </a:r>
-            <a:endParaRPr lang="zh-CN" altLang="en-US" dirty="0"/>
           </a:p>
         </p:txBody>
       </p:sp>
@@ -6060,24 +5997,23 @@
           <a:p>
             <a:pPr algn="ctr"/>
             <a:r>
-              <a:rPr lang="en-US" altLang="zh-CN" dirty="0" smtClean="0"/>
+              <a:rPr lang="en-US" altLang="zh-CN" dirty="0"/>
               <a:t>EXCEPTION</a:t>
             </a:r>
           </a:p>
           <a:p>
             <a:pPr algn="ctr"/>
             <a:r>
-              <a:rPr lang="en-US" altLang="zh-CN" dirty="0" smtClean="0"/>
+              <a:rPr lang="en-US" altLang="zh-CN" dirty="0"/>
               <a:t>and ERROR</a:t>
             </a:r>
           </a:p>
           <a:p>
             <a:pPr algn="ctr"/>
             <a:r>
-              <a:rPr lang="zh-CN" altLang="en-US" dirty="0" smtClean="0"/>
+              <a:rPr lang="zh-CN" altLang="en-US" dirty="0"/>
               <a:t>处理机制</a:t>
             </a:r>
-            <a:endParaRPr lang="zh-CN" altLang="en-US" dirty="0"/>
           </a:p>
         </p:txBody>
       </p:sp>
@@ -6116,11 +6052,11 @@
           <a:p>
             <a:pPr algn="ctr"/>
             <a:r>
-              <a:rPr lang="en-US" altLang="zh-CN" dirty="0" smtClean="0"/>
+              <a:rPr lang="en-US" altLang="zh-CN" dirty="0"/>
               <a:t>EX &amp; ER </a:t>
             </a:r>
             <a:r>
-              <a:rPr lang="zh-CN" altLang="en-US" dirty="0" smtClean="0"/>
+              <a:rPr lang="zh-CN" altLang="en-US" dirty="0"/>
               <a:t>注册表</a:t>
             </a:r>
             <a:endParaRPr lang="zh-CN" altLang="en-US" dirty="0">
@@ -6325,7 +6261,7 @@
           <a:lstStyle/>
           <a:p>
             <a:r>
-              <a:rPr lang="en-US" altLang="zh-CN" dirty="0" smtClean="0"/>
+              <a:rPr lang="en-US" altLang="zh-CN" dirty="0"/>
               <a:t>V0.2</a:t>
             </a:r>
             <a:endParaRPr lang="zh-CN" altLang="en-US" dirty="0"/>
@@ -6348,7 +6284,7 @@
           <a:lstStyle/>
           <a:p>
             <a:r>
-              <a:rPr lang="en-US" altLang="zh-CN" dirty="0" smtClean="0"/>
+              <a:rPr lang="en-US" altLang="zh-CN" dirty="0"/>
               <a:t>Design Handbook</a:t>
             </a:r>
           </a:p>
@@ -6364,13 +6300,6 @@
   <p:clrMapOvr>
     <a:masterClrMapping/>
   </p:clrMapOvr>
-  <p:timing>
-    <p:tnLst>
-      <p:par>
-        <p:cTn id="1" dur="indefinite" restart="never" nodeType="tmRoot"/>
-      </p:par>
-    </p:tnLst>
-  </p:timing>
 </p:sld>
 </file>
 
@@ -6453,11 +6382,11 @@
           <a:p>
             <a:pPr algn="ctr"/>
             <a:r>
-              <a:rPr lang="en-US" altLang="zh-CN" dirty="0" smtClean="0"/>
+              <a:rPr lang="en-US" altLang="zh-CN" dirty="0"/>
               <a:t>.</a:t>
             </a:r>
             <a:r>
-              <a:rPr lang="en-US" altLang="zh-CN" dirty="0" err="1" smtClean="0"/>
+              <a:rPr lang="en-US" altLang="zh-CN" dirty="0" err="1"/>
               <a:t>hvml</a:t>
             </a:r>
             <a:endParaRPr lang="zh-CN" altLang="en-US" dirty="0"/>
@@ -6537,7 +6466,7 @@
           <a:p>
             <a:pPr algn="ctr"/>
             <a:r>
-              <a:rPr lang="en-US" altLang="zh-CN" dirty="0" err="1" smtClean="0"/>
+              <a:rPr lang="en-US" altLang="zh-CN" dirty="0" err="1"/>
               <a:t>vDOM</a:t>
             </a:r>
             <a:endParaRPr lang="zh-CN" altLang="en-US" dirty="0"/>
@@ -6648,7 +6577,7 @@
           <a:p>
             <a:pPr algn="ctr"/>
             <a:r>
-              <a:rPr lang="en-US" altLang="zh-CN" dirty="0" smtClean="0"/>
+              <a:rPr lang="en-US" altLang="zh-CN" dirty="0"/>
               <a:t>.html</a:t>
             </a:r>
             <a:endParaRPr lang="zh-CN" altLang="en-US" dirty="0"/>
@@ -6758,7 +6687,7 @@
           <a:p>
             <a:pPr algn="ctr"/>
             <a:r>
-              <a:rPr lang="zh-CN" altLang="en-US" dirty="0" smtClean="0"/>
+              <a:rPr lang="zh-CN" altLang="en-US" dirty="0"/>
               <a:t>刷</a:t>
             </a:r>
             <a:endParaRPr lang="en-US" altLang="zh-CN" dirty="0"/>
@@ -6788,7 +6717,7 @@
           <a:lstStyle/>
           <a:p>
             <a:r>
-              <a:rPr lang="en-US" altLang="zh-CN" dirty="0" err="1" smtClean="0">
+              <a:rPr lang="en-US" altLang="zh-CN" dirty="0" err="1">
                 <a:solidFill>
                   <a:srgbClr val="FF0000"/>
                 </a:solidFill>
@@ -6874,10 +6803,9 @@
           <a:p>
             <a:pPr algn="ctr"/>
             <a:r>
-              <a:rPr lang="zh-CN" altLang="en-US" dirty="0" smtClean="0"/>
+              <a:rPr lang="zh-CN" altLang="en-US" dirty="0"/>
               <a:t>事件响应队列</a:t>
             </a:r>
-            <a:endParaRPr lang="zh-CN" altLang="en-US" dirty="0"/>
           </a:p>
         </p:txBody>
       </p:sp>
@@ -6916,18 +6844,17 @@
           <a:p>
             <a:pPr algn="ctr"/>
             <a:r>
-              <a:rPr lang="zh-CN" altLang="en-US" dirty="0" smtClean="0"/>
+              <a:rPr lang="zh-CN" altLang="en-US" dirty="0"/>
               <a:t>数据驱动</a:t>
             </a:r>
-            <a:endParaRPr lang="en-US" altLang="zh-CN" dirty="0" smtClean="0"/>
-          </a:p>
-          <a:p>
-            <a:pPr algn="ctr"/>
-            <a:r>
-              <a:rPr lang="zh-CN" altLang="en-US" dirty="0" smtClean="0"/>
+            <a:endParaRPr lang="en-US" altLang="zh-CN" dirty="0"/>
+          </a:p>
+          <a:p>
+            <a:pPr algn="ctr"/>
+            <a:r>
+              <a:rPr lang="zh-CN" altLang="en-US" dirty="0"/>
               <a:t>队列</a:t>
             </a:r>
-            <a:endParaRPr lang="zh-CN" altLang="en-US" dirty="0"/>
           </a:p>
         </p:txBody>
       </p:sp>
@@ -6954,10 +6881,9 @@
           <a:lstStyle/>
           <a:p>
             <a:r>
-              <a:rPr lang="en-US" altLang="zh-CN" dirty="0" smtClean="0"/>
+              <a:rPr lang="en-US" altLang="zh-CN" dirty="0"/>
               <a:t>vector&lt;.&gt;</a:t>
             </a:r>
-            <a:endParaRPr lang="en-US" altLang="zh-CN" dirty="0"/>
           </a:p>
         </p:txBody>
       </p:sp>
@@ -7196,10 +7122,9 @@
           <a:p>
             <a:pPr algn="ctr"/>
             <a:r>
-              <a:rPr lang="en-US" altLang="zh-CN" dirty="0" smtClean="0"/>
+              <a:rPr lang="en-US" altLang="zh-CN" dirty="0"/>
               <a:t>http listener</a:t>
             </a:r>
-            <a:endParaRPr lang="en-US" altLang="zh-CN" dirty="0"/>
           </a:p>
         </p:txBody>
       </p:sp>
@@ -7265,26 +7190,25 @@
           <a:p>
             <a:pPr algn="ctr"/>
             <a:r>
-              <a:rPr lang="zh-CN" altLang="en-US" dirty="0" smtClean="0"/>
+              <a:rPr lang="zh-CN" altLang="en-US" dirty="0"/>
               <a:t>插入</a:t>
             </a:r>
             <a:r>
-              <a:rPr lang="en-US" altLang="zh-CN" dirty="0" err="1" smtClean="0"/>
+              <a:rPr lang="en-US" altLang="zh-CN" dirty="0" err="1"/>
               <a:t>css</a:t>
             </a:r>
             <a:r>
-              <a:rPr lang="zh-CN" altLang="en-US" dirty="0" smtClean="0"/>
+              <a:rPr lang="zh-CN" altLang="en-US" dirty="0"/>
               <a:t>、</a:t>
             </a:r>
             <a:r>
-              <a:rPr lang="en-US" altLang="zh-CN" dirty="0" err="1" smtClean="0"/>
+              <a:rPr lang="en-US" altLang="zh-CN" dirty="0" err="1"/>
               <a:t>js</a:t>
             </a:r>
             <a:r>
-              <a:rPr lang="zh-CN" altLang="en-US" dirty="0" smtClean="0"/>
+              <a:rPr lang="zh-CN" altLang="en-US" dirty="0"/>
               <a:t>等辅助成分</a:t>
             </a:r>
-            <a:endParaRPr lang="zh-CN" altLang="en-US" dirty="0"/>
           </a:p>
         </p:txBody>
       </p:sp>
@@ -7384,10 +7308,9 @@
           <a:p>
             <a:pPr algn="ctr"/>
             <a:r>
-              <a:rPr lang="zh-CN" altLang="en-US" dirty="0" smtClean="0"/>
+              <a:rPr lang="zh-CN" altLang="en-US" dirty="0"/>
               <a:t>同步机制</a:t>
             </a:r>
-            <a:endParaRPr lang="zh-CN" altLang="en-US" dirty="0"/>
           </a:p>
         </p:txBody>
       </p:sp>
@@ -7416,13 +7339,8 @@
             <a:pPr algn="ctr"/>
             <a:r>
               <a:rPr lang="zh-CN" altLang="en-US" dirty="0"/>
-              <a:t>处理</a:t>
-            </a:r>
-            <a:r>
-              <a:rPr lang="zh-CN" altLang="en-US" dirty="0" smtClean="0"/>
-              <a:t>机制，可能需要调用外部脚本</a:t>
-            </a:r>
-            <a:endParaRPr lang="zh-CN" altLang="en-US" dirty="0"/>
+              <a:t>处理机制，可能需要调用外部脚本</a:t>
+            </a:r>
           </a:p>
         </p:txBody>
       </p:sp>
@@ -7450,7 +7368,7 @@
           <a:p>
             <a:pPr algn="ctr"/>
             <a:r>
-              <a:rPr lang="en-US" altLang="zh-CN" dirty="0" err="1" smtClean="0">
+              <a:rPr lang="en-US" altLang="zh-CN" dirty="0" err="1">
                 <a:solidFill>
                   <a:srgbClr val="0070C0"/>
                 </a:solidFill>
@@ -7489,7 +7407,7 @@
           <a:p>
             <a:pPr algn="ctr"/>
             <a:r>
-              <a:rPr lang="en-US" altLang="zh-CN" dirty="0" err="1" smtClean="0">
+              <a:rPr lang="en-US" altLang="zh-CN" dirty="0" err="1">
                 <a:solidFill>
                   <a:srgbClr val="0070C0"/>
                 </a:solidFill>
@@ -7528,7 +7446,7 @@
           <a:p>
             <a:pPr algn="ctr"/>
             <a:r>
-              <a:rPr lang="en-US" altLang="zh-CN" dirty="0" err="1" smtClean="0">
+              <a:rPr lang="en-US" altLang="zh-CN" dirty="0" err="1">
                 <a:solidFill>
                   <a:srgbClr val="0070C0"/>
                 </a:solidFill>
@@ -7567,18 +7485,18 @@
           <a:p>
             <a:pPr algn="ctr"/>
             <a:r>
-              <a:rPr lang="en-US" altLang="zh-CN" dirty="0" err="1" smtClean="0"/>
+              <a:rPr lang="en-US" altLang="zh-CN" dirty="0" err="1"/>
               <a:t>hvml</a:t>
             </a:r>
             <a:r>
-              <a:rPr lang="en-US" altLang="zh-CN" dirty="0" smtClean="0"/>
+              <a:rPr lang="en-US" altLang="zh-CN" dirty="0"/>
               <a:t>-agent</a:t>
             </a:r>
           </a:p>
           <a:p>
             <a:pPr algn="ctr"/>
             <a:r>
-              <a:rPr lang="zh-CN" altLang="en-US" dirty="0" smtClean="0"/>
+              <a:rPr lang="zh-CN" altLang="en-US" dirty="0"/>
               <a:t>的三个数据成员</a:t>
             </a:r>
             <a:endParaRPr lang="en-US" altLang="zh-CN" dirty="0"/>
@@ -7646,7 +7564,7 @@
           <a:lstStyle/>
           <a:p>
             <a:r>
-              <a:rPr lang="en-US" altLang="zh-CN" dirty="0" err="1" smtClean="0">
+              <a:rPr lang="en-US" altLang="zh-CN" dirty="0" err="1">
                 <a:solidFill>
                   <a:srgbClr val="0070C0"/>
                 </a:solidFill>
@@ -7684,7 +7602,7 @@
           <a:lstStyle/>
           <a:p>
             <a:r>
-              <a:rPr lang="en-US" altLang="zh-CN" dirty="0" err="1" smtClean="0">
+              <a:rPr lang="en-US" altLang="zh-CN" dirty="0" err="1">
                 <a:solidFill>
                   <a:srgbClr val="0070C0"/>
                 </a:solidFill>
@@ -7722,7 +7640,7 @@
           <a:lstStyle/>
           <a:p>
             <a:r>
-              <a:rPr lang="en-US" altLang="zh-CN" dirty="0" err="1" smtClean="0">
+              <a:rPr lang="en-US" altLang="zh-CN" dirty="0" err="1">
                 <a:solidFill>
                   <a:srgbClr val="0070C0"/>
                 </a:solidFill>
@@ -7761,7 +7679,7 @@
           <a:p>
             <a:pPr algn="ctr"/>
             <a:r>
-              <a:rPr lang="en-US" altLang="zh-CN" dirty="0" err="1" smtClean="0">
+              <a:rPr lang="en-US" altLang="zh-CN" dirty="0" err="1">
                 <a:solidFill>
                   <a:srgbClr val="FF0000"/>
                 </a:solidFill>
@@ -7769,7 +7687,7 @@
               <a:t>Hvml</a:t>
             </a:r>
             <a:r>
-              <a:rPr lang="en-US" altLang="zh-CN" dirty="0" smtClean="0">
+              <a:rPr lang="en-US" altLang="zh-CN" dirty="0">
                 <a:solidFill>
                   <a:srgbClr val="FF0000"/>
                 </a:solidFill>
@@ -7777,7 +7695,7 @@
               <a:t> </a:t>
             </a:r>
             <a:r>
-              <a:rPr lang="zh-CN" altLang="en-US" dirty="0" smtClean="0">
+              <a:rPr lang="zh-CN" altLang="en-US" dirty="0">
                 <a:solidFill>
                   <a:srgbClr val="FF0000"/>
                 </a:solidFill>
@@ -7785,7 +7703,7 @@
               <a:t>的 </a:t>
             </a:r>
             <a:r>
-              <a:rPr lang="en-US" altLang="zh-CN" dirty="0" smtClean="0">
+              <a:rPr lang="en-US" altLang="zh-CN" dirty="0">
                 <a:solidFill>
                   <a:srgbClr val="FF0000"/>
                 </a:solidFill>
@@ -7793,7 +7711,7 @@
               <a:t>runtime </a:t>
             </a:r>
             <a:r>
-              <a:rPr lang="zh-CN" altLang="en-US" dirty="0" smtClean="0">
+              <a:rPr lang="zh-CN" altLang="en-US" dirty="0">
                 <a:solidFill>
                   <a:srgbClr val="FF0000"/>
                 </a:solidFill>
@@ -7801,7 +7719,7 @@
               <a:t>形态即 </a:t>
             </a:r>
             <a:r>
-              <a:rPr lang="en-US" altLang="zh-CN" dirty="0" err="1" smtClean="0">
+              <a:rPr lang="en-US" altLang="zh-CN" dirty="0" err="1">
                 <a:solidFill>
                   <a:srgbClr val="FF0000"/>
                 </a:solidFill>
@@ -7809,18 +7727,13 @@
               <a:t>hvml</a:t>
             </a:r>
             <a:r>
-              <a:rPr lang="en-US" altLang="zh-CN" dirty="0" smtClean="0">
+              <a:rPr lang="en-US" altLang="zh-CN" dirty="0">
                 <a:solidFill>
                   <a:srgbClr val="FF0000"/>
                 </a:solidFill>
               </a:rPr>
               <a:t>-agent</a:t>
             </a:r>
-            <a:endParaRPr lang="en-US" altLang="zh-CN" dirty="0">
-              <a:solidFill>
-                <a:srgbClr val="FF0000"/>
-              </a:solidFill>
-            </a:endParaRPr>
           </a:p>
         </p:txBody>
       </p:sp>
@@ -7870,13 +7783,2062 @@
   <p:clrMapOvr>
     <a:masterClrMapping/>
   </p:clrMapOvr>
-  <p:timing>
-    <p:tnLst>
-      <p:par>
-        <p:cTn id="1" dur="indefinite" restart="never" nodeType="tmRoot"/>
-      </p:par>
-    </p:tnLst>
-  </p:timing>
+</p:sld>
+</file>
+
+<file path=ppt/slides/slide7.xml><?xml version="1.0" encoding="utf-8"?>
+<p:sld xmlns:a="http://schemas.openxmlformats.org/drawingml/2006/main" xmlns:r="http://schemas.openxmlformats.org/officeDocument/2006/relationships" xmlns:p="http://schemas.openxmlformats.org/presentationml/2006/main">
+  <p:cSld>
+    <p:spTree>
+      <p:nvGrpSpPr>
+        <p:cNvPr id="1" name=""/>
+        <p:cNvGrpSpPr/>
+        <p:nvPr/>
+      </p:nvGrpSpPr>
+      <p:grpSpPr>
+        <a:xfrm>
+          <a:off x="0" y="0"/>
+          <a:ext cx="0" cy="0"/>
+          <a:chOff x="0" y="0"/>
+          <a:chExt cx="0" cy="0"/>
+        </a:xfrm>
+      </p:grpSpPr>
+      <p:sp>
+        <p:nvSpPr>
+          <p:cNvPr id="2" name="标题 1"/>
+          <p:cNvSpPr>
+            <a:spLocks noGrp="1"/>
+          </p:cNvSpPr>
+          <p:nvPr>
+            <p:ph type="ctrTitle"/>
+          </p:nvPr>
+        </p:nvSpPr>
+        <p:spPr/>
+        <p:txBody>
+          <a:bodyPr/>
+          <a:lstStyle/>
+          <a:p>
+            <a:r>
+              <a:rPr lang="en-US" altLang="zh-CN" dirty="0"/>
+              <a:t>V0.3</a:t>
+            </a:r>
+            <a:endParaRPr lang="zh-CN" altLang="en-US" dirty="0"/>
+          </a:p>
+        </p:txBody>
+      </p:sp>
+      <p:sp>
+        <p:nvSpPr>
+          <p:cNvPr id="3" name="副标题 2"/>
+          <p:cNvSpPr>
+            <a:spLocks noGrp="1"/>
+          </p:cNvSpPr>
+          <p:nvPr>
+            <p:ph type="subTitle" idx="1"/>
+          </p:nvPr>
+        </p:nvSpPr>
+        <p:spPr/>
+        <p:txBody>
+          <a:bodyPr/>
+          <a:lstStyle/>
+          <a:p>
+            <a:r>
+              <a:rPr lang="en-US" altLang="zh-CN" dirty="0"/>
+              <a:t>Design Handbook</a:t>
+            </a:r>
+          </a:p>
+        </p:txBody>
+      </p:sp>
+    </p:spTree>
+    <p:extLst>
+      <p:ext uri="{BB962C8B-B14F-4D97-AF65-F5344CB8AC3E}">
+        <p14:creationId xmlns:p14="http://schemas.microsoft.com/office/powerpoint/2010/main" val="602965929"/>
+      </p:ext>
+    </p:extLst>
+  </p:cSld>
+  <p:clrMapOvr>
+    <a:masterClrMapping/>
+  </p:clrMapOvr>
+</p:sld>
+</file>
+
+<file path=ppt/slides/slide8.xml><?xml version="1.0" encoding="utf-8"?>
+<p:sld xmlns:a="http://schemas.openxmlformats.org/drawingml/2006/main" xmlns:r="http://schemas.openxmlformats.org/officeDocument/2006/relationships" xmlns:p="http://schemas.openxmlformats.org/presentationml/2006/main">
+  <p:cSld>
+    <p:spTree>
+      <p:nvGrpSpPr>
+        <p:cNvPr id="1" name=""/>
+        <p:cNvGrpSpPr/>
+        <p:nvPr/>
+      </p:nvGrpSpPr>
+      <p:grpSpPr>
+        <a:xfrm>
+          <a:off x="0" y="0"/>
+          <a:ext cx="0" cy="0"/>
+          <a:chOff x="0" y="0"/>
+          <a:chExt cx="0" cy="0"/>
+        </a:xfrm>
+      </p:grpSpPr>
+      <p:sp>
+        <p:nvSpPr>
+          <p:cNvPr id="4" name="折角形 3"/>
+          <p:cNvSpPr/>
+          <p:nvPr/>
+        </p:nvSpPr>
+        <p:spPr>
+          <a:xfrm>
+            <a:off x="158263" y="898514"/>
+            <a:ext cx="432048" cy="576064"/>
+          </a:xfrm>
+          <a:prstGeom prst="foldedCorner">
+            <a:avLst/>
+          </a:prstGeom>
+        </p:spPr>
+        <p:style>
+          <a:lnRef idx="2">
+            <a:schemeClr val="dk1"/>
+          </a:lnRef>
+          <a:fillRef idx="1">
+            <a:schemeClr val="lt1"/>
+          </a:fillRef>
+          <a:effectRef idx="0">
+            <a:schemeClr val="dk1"/>
+          </a:effectRef>
+          <a:fontRef idx="minor">
+            <a:schemeClr val="dk1"/>
+          </a:fontRef>
+        </p:style>
+        <p:txBody>
+          <a:bodyPr rtlCol="0" anchor="ctr"/>
+          <a:lstStyle/>
+          <a:p>
+            <a:pPr algn="ctr"/>
+            <a:endParaRPr lang="zh-CN" altLang="en-US"/>
+          </a:p>
+        </p:txBody>
+      </p:sp>
+      <p:sp>
+        <p:nvSpPr>
+          <p:cNvPr id="5" name="TextBox 4"/>
+          <p:cNvSpPr txBox="1"/>
+          <p:nvPr/>
+        </p:nvSpPr>
+        <p:spPr>
+          <a:xfrm>
+            <a:off x="-52045" y="1481618"/>
+            <a:ext cx="792088" cy="369332"/>
+          </a:xfrm>
+          <a:prstGeom prst="rect">
+            <a:avLst/>
+          </a:prstGeom>
+          <a:noFill/>
+        </p:spPr>
+        <p:txBody>
+          <a:bodyPr wrap="square" rtlCol="0">
+            <a:spAutoFit/>
+          </a:bodyPr>
+          <a:lstStyle/>
+          <a:p>
+            <a:pPr algn="ctr"/>
+            <a:r>
+              <a:rPr lang="en-US" altLang="zh-CN" dirty="0"/>
+              <a:t>.</a:t>
+            </a:r>
+            <a:r>
+              <a:rPr lang="en-US" altLang="zh-CN" dirty="0" err="1"/>
+              <a:t>hvml</a:t>
+            </a:r>
+            <a:endParaRPr lang="zh-CN" altLang="en-US" dirty="0"/>
+          </a:p>
+        </p:txBody>
+      </p:sp>
+      <p:sp>
+        <p:nvSpPr>
+          <p:cNvPr id="6" name="TextBox 5"/>
+          <p:cNvSpPr txBox="1"/>
+          <p:nvPr/>
+        </p:nvSpPr>
+        <p:spPr>
+          <a:xfrm>
+            <a:off x="251520" y="148400"/>
+            <a:ext cx="3240360" cy="369332"/>
+          </a:xfrm>
+          <a:prstGeom prst="rect">
+            <a:avLst/>
+          </a:prstGeom>
+          <a:noFill/>
+        </p:spPr>
+        <p:txBody>
+          <a:bodyPr wrap="square" rtlCol="0">
+            <a:spAutoFit/>
+          </a:bodyPr>
+          <a:lstStyle/>
+          <a:p>
+            <a:r>
+              <a:rPr lang="en-US" altLang="zh-CN" dirty="0" err="1">
+                <a:solidFill>
+                  <a:srgbClr val="FF0000"/>
+                </a:solidFill>
+              </a:rPr>
+              <a:t>hvml_dom_load_from_stream</a:t>
+            </a:r>
+            <a:endParaRPr lang="en-US" altLang="zh-CN" dirty="0">
+              <a:solidFill>
+                <a:srgbClr val="FF0000"/>
+              </a:solidFill>
+            </a:endParaRPr>
+          </a:p>
+        </p:txBody>
+      </p:sp>
+      <p:sp>
+        <p:nvSpPr>
+          <p:cNvPr id="7" name="流程图: 多文档 6"/>
+          <p:cNvSpPr/>
+          <p:nvPr/>
+        </p:nvSpPr>
+        <p:spPr>
+          <a:xfrm>
+            <a:off x="1475656" y="1021788"/>
+            <a:ext cx="936104" cy="720080"/>
+          </a:xfrm>
+          <a:prstGeom prst="flowChartMultidocument">
+            <a:avLst/>
+          </a:prstGeom>
+        </p:spPr>
+        <p:style>
+          <a:lnRef idx="2">
+            <a:schemeClr val="dk1"/>
+          </a:lnRef>
+          <a:fillRef idx="1">
+            <a:schemeClr val="lt1"/>
+          </a:fillRef>
+          <a:effectRef idx="0">
+            <a:schemeClr val="dk1"/>
+          </a:effectRef>
+          <a:fontRef idx="minor">
+            <a:schemeClr val="dk1"/>
+          </a:fontRef>
+        </p:style>
+        <p:txBody>
+          <a:bodyPr rtlCol="0" anchor="ctr"/>
+          <a:lstStyle/>
+          <a:p>
+            <a:pPr algn="ctr"/>
+            <a:r>
+              <a:rPr lang="en-US" altLang="zh-CN" dirty="0" err="1"/>
+              <a:t>vDOM</a:t>
+            </a:r>
+            <a:endParaRPr lang="zh-CN" altLang="en-US" dirty="0"/>
+          </a:p>
+        </p:txBody>
+      </p:sp>
+      <p:sp>
+        <p:nvSpPr>
+          <p:cNvPr id="8" name="环形箭头 7"/>
+          <p:cNvSpPr/>
+          <p:nvPr/>
+        </p:nvSpPr>
+        <p:spPr>
+          <a:xfrm>
+            <a:off x="667113" y="517732"/>
+            <a:ext cx="928599" cy="864096"/>
+          </a:xfrm>
+          <a:prstGeom prst="circularArrow">
+            <a:avLst/>
+          </a:prstGeom>
+        </p:spPr>
+        <p:style>
+          <a:lnRef idx="2">
+            <a:schemeClr val="dk1"/>
+          </a:lnRef>
+          <a:fillRef idx="1">
+            <a:schemeClr val="lt1"/>
+          </a:fillRef>
+          <a:effectRef idx="0">
+            <a:schemeClr val="dk1"/>
+          </a:effectRef>
+          <a:fontRef idx="minor">
+            <a:schemeClr val="dk1"/>
+          </a:fontRef>
+        </p:style>
+        <p:txBody>
+          <a:bodyPr rtlCol="0" anchor="ctr"/>
+          <a:lstStyle/>
+          <a:p>
+            <a:pPr algn="ctr"/>
+            <a:endParaRPr lang="zh-CN" altLang="en-US">
+              <a:solidFill>
+                <a:schemeClr val="tx1"/>
+              </a:solidFill>
+            </a:endParaRPr>
+          </a:p>
+        </p:txBody>
+      </p:sp>
+      <p:sp>
+        <p:nvSpPr>
+          <p:cNvPr id="13" name="折角形 12"/>
+          <p:cNvSpPr/>
+          <p:nvPr/>
+        </p:nvSpPr>
+        <p:spPr>
+          <a:xfrm>
+            <a:off x="6583774" y="1093092"/>
+            <a:ext cx="432048" cy="576064"/>
+          </a:xfrm>
+          <a:prstGeom prst="foldedCorner">
+            <a:avLst/>
+          </a:prstGeom>
+        </p:spPr>
+        <p:style>
+          <a:lnRef idx="2">
+            <a:schemeClr val="dk1"/>
+          </a:lnRef>
+          <a:fillRef idx="1">
+            <a:schemeClr val="lt1"/>
+          </a:fillRef>
+          <a:effectRef idx="0">
+            <a:schemeClr val="dk1"/>
+          </a:effectRef>
+          <a:fontRef idx="minor">
+            <a:schemeClr val="dk1"/>
+          </a:fontRef>
+        </p:style>
+        <p:txBody>
+          <a:bodyPr rtlCol="0" anchor="ctr"/>
+          <a:lstStyle/>
+          <a:p>
+            <a:pPr algn="ctr"/>
+            <a:endParaRPr lang="zh-CN" altLang="en-US"/>
+          </a:p>
+        </p:txBody>
+      </p:sp>
+      <p:sp>
+        <p:nvSpPr>
+          <p:cNvPr id="14" name="TextBox 13"/>
+          <p:cNvSpPr txBox="1"/>
+          <p:nvPr/>
+        </p:nvSpPr>
+        <p:spPr>
+          <a:xfrm>
+            <a:off x="6385617" y="1673288"/>
+            <a:ext cx="792088" cy="369332"/>
+          </a:xfrm>
+          <a:prstGeom prst="rect">
+            <a:avLst/>
+          </a:prstGeom>
+          <a:noFill/>
+        </p:spPr>
+        <p:txBody>
+          <a:bodyPr wrap="square" rtlCol="0">
+            <a:spAutoFit/>
+          </a:bodyPr>
+          <a:lstStyle/>
+          <a:p>
+            <a:pPr algn="ctr"/>
+            <a:r>
+              <a:rPr lang="en-US" altLang="zh-CN" dirty="0"/>
+              <a:t>.html</a:t>
+            </a:r>
+            <a:endParaRPr lang="zh-CN" altLang="en-US" dirty="0"/>
+          </a:p>
+        </p:txBody>
+      </p:sp>
+      <p:sp>
+        <p:nvSpPr>
+          <p:cNvPr id="15" name="矩形 14"/>
+          <p:cNvSpPr/>
+          <p:nvPr/>
+        </p:nvSpPr>
+        <p:spPr>
+          <a:xfrm>
+            <a:off x="7596336" y="111178"/>
+            <a:ext cx="1224136" cy="1082556"/>
+          </a:xfrm>
+          <a:prstGeom prst="rect">
+            <a:avLst/>
+          </a:prstGeom>
+        </p:spPr>
+        <p:style>
+          <a:lnRef idx="2">
+            <a:schemeClr val="dk1"/>
+          </a:lnRef>
+          <a:fillRef idx="1">
+            <a:schemeClr val="lt1"/>
+          </a:fillRef>
+          <a:effectRef idx="0">
+            <a:schemeClr val="dk1"/>
+          </a:effectRef>
+          <a:fontRef idx="minor">
+            <a:schemeClr val="dk1"/>
+          </a:fontRef>
+        </p:style>
+        <p:txBody>
+          <a:bodyPr rtlCol="0" anchor="ctr"/>
+          <a:lstStyle/>
+          <a:p>
+            <a:pPr algn="ctr"/>
+            <a:r>
+              <a:rPr lang="zh-CN" altLang="en-US" dirty="0"/>
+              <a:t>浏览器</a:t>
+            </a:r>
+          </a:p>
+        </p:txBody>
+      </p:sp>
+      <p:sp>
+        <p:nvSpPr>
+          <p:cNvPr id="17" name="TextBox 16"/>
+          <p:cNvSpPr txBox="1"/>
+          <p:nvPr/>
+        </p:nvSpPr>
+        <p:spPr>
+          <a:xfrm>
+            <a:off x="7996908" y="1300528"/>
+            <a:ext cx="576064" cy="369332"/>
+          </a:xfrm>
+          <a:prstGeom prst="rect">
+            <a:avLst/>
+          </a:prstGeom>
+          <a:noFill/>
+        </p:spPr>
+        <p:txBody>
+          <a:bodyPr wrap="square" rtlCol="0">
+            <a:spAutoFit/>
+          </a:bodyPr>
+          <a:lstStyle/>
+          <a:p>
+            <a:pPr algn="ctr"/>
+            <a:r>
+              <a:rPr lang="zh-CN" altLang="en-US" dirty="0"/>
+              <a:t>刷</a:t>
+            </a:r>
+            <a:endParaRPr lang="en-US" altLang="zh-CN" dirty="0"/>
+          </a:p>
+        </p:txBody>
+      </p:sp>
+      <p:sp>
+        <p:nvSpPr>
+          <p:cNvPr id="18" name="TextBox 17"/>
+          <p:cNvSpPr txBox="1"/>
+          <p:nvPr/>
+        </p:nvSpPr>
+        <p:spPr>
+          <a:xfrm>
+            <a:off x="511548" y="2083930"/>
+            <a:ext cx="1239727" cy="646331"/>
+          </a:xfrm>
+          <a:prstGeom prst="rect">
+            <a:avLst/>
+          </a:prstGeom>
+          <a:noFill/>
+        </p:spPr>
+        <p:txBody>
+          <a:bodyPr wrap="square" rtlCol="0">
+            <a:spAutoFit/>
+          </a:bodyPr>
+          <a:lstStyle/>
+          <a:p>
+            <a:r>
+              <a:rPr lang="en-US" altLang="zh-CN" dirty="0" err="1">
+                <a:solidFill>
+                  <a:srgbClr val="FF0000"/>
+                </a:solidFill>
+              </a:rPr>
+              <a:t>Interpreter_Runtime</a:t>
+            </a:r>
+            <a:endParaRPr lang="en-US" altLang="zh-CN" dirty="0">
+              <a:solidFill>
+                <a:srgbClr val="FF0000"/>
+              </a:solidFill>
+            </a:endParaRPr>
+          </a:p>
+        </p:txBody>
+      </p:sp>
+      <p:sp>
+        <p:nvSpPr>
+          <p:cNvPr id="22" name="流程图: 多文档 21"/>
+          <p:cNvSpPr/>
+          <p:nvPr/>
+        </p:nvSpPr>
+        <p:spPr>
+          <a:xfrm>
+            <a:off x="2477623" y="5606134"/>
+            <a:ext cx="2316497" cy="864096"/>
+          </a:xfrm>
+          <a:prstGeom prst="flowChartMultidocument">
+            <a:avLst/>
+          </a:prstGeom>
+        </p:spPr>
+        <p:style>
+          <a:lnRef idx="2">
+            <a:schemeClr val="dk1"/>
+          </a:lnRef>
+          <a:fillRef idx="1">
+            <a:schemeClr val="lt1"/>
+          </a:fillRef>
+          <a:effectRef idx="0">
+            <a:schemeClr val="dk1"/>
+          </a:effectRef>
+          <a:fontRef idx="minor">
+            <a:schemeClr val="dk1"/>
+          </a:fontRef>
+        </p:style>
+        <p:txBody>
+          <a:bodyPr rtlCol="0" anchor="ctr"/>
+          <a:lstStyle/>
+          <a:p>
+            <a:pPr algn="ctr"/>
+            <a:r>
+              <a:rPr lang="en-US" altLang="zh-CN" dirty="0"/>
+              <a:t>vector&lt;.&gt;</a:t>
+            </a:r>
+          </a:p>
+          <a:p>
+            <a:pPr algn="ctr"/>
+            <a:r>
+              <a:rPr lang="en-US" altLang="zh-CN" dirty="0" err="1">
+                <a:solidFill>
+                  <a:srgbClr val="0070C0"/>
+                </a:solidFill>
+              </a:rPr>
+              <a:t>m_observe_part</a:t>
+            </a:r>
+            <a:endParaRPr lang="en-US" altLang="zh-CN" dirty="0">
+              <a:solidFill>
+                <a:srgbClr val="0070C0"/>
+              </a:solidFill>
+            </a:endParaRPr>
+          </a:p>
+          <a:p>
+            <a:endParaRPr lang="en-US" altLang="zh-CN" dirty="0"/>
+          </a:p>
+        </p:txBody>
+      </p:sp>
+      <p:cxnSp>
+        <p:nvCxnSpPr>
+          <p:cNvPr id="48" name="肘形连接符 47"/>
+          <p:cNvCxnSpPr>
+            <a:cxnSpLocks/>
+            <a:stCxn id="18" idx="2"/>
+            <a:endCxn id="94" idx="1"/>
+          </p:cNvCxnSpPr>
+          <p:nvPr/>
+        </p:nvCxnSpPr>
+        <p:spPr>
+          <a:xfrm rot="16200000" flipH="1">
+            <a:off x="735068" y="3126604"/>
+            <a:ext cx="2138899" cy="1346211"/>
+          </a:xfrm>
+          <a:prstGeom prst="bentConnector2">
+            <a:avLst/>
+          </a:prstGeom>
+          <a:ln>
+            <a:tailEnd type="arrow"/>
+          </a:ln>
+        </p:spPr>
+        <p:style>
+          <a:lnRef idx="2">
+            <a:schemeClr val="dk1"/>
+          </a:lnRef>
+          <a:fillRef idx="0">
+            <a:schemeClr val="dk1"/>
+          </a:fillRef>
+          <a:effectRef idx="1">
+            <a:schemeClr val="dk1"/>
+          </a:effectRef>
+          <a:fontRef idx="minor">
+            <a:schemeClr val="tx1"/>
+          </a:fontRef>
+        </p:style>
+      </p:cxnSp>
+      <p:cxnSp>
+        <p:nvCxnSpPr>
+          <p:cNvPr id="51" name="肘形连接符 50"/>
+          <p:cNvCxnSpPr>
+            <a:cxnSpLocks/>
+            <a:stCxn id="18" idx="2"/>
+            <a:endCxn id="22" idx="1"/>
+          </p:cNvCxnSpPr>
+          <p:nvPr/>
+        </p:nvCxnSpPr>
+        <p:spPr>
+          <a:xfrm rot="16200000" flipH="1">
+            <a:off x="150557" y="3711115"/>
+            <a:ext cx="3307921" cy="1346211"/>
+          </a:xfrm>
+          <a:prstGeom prst="bentConnector2">
+            <a:avLst/>
+          </a:prstGeom>
+          <a:ln>
+            <a:tailEnd type="arrow"/>
+          </a:ln>
+        </p:spPr>
+        <p:style>
+          <a:lnRef idx="2">
+            <a:schemeClr val="dk1"/>
+          </a:lnRef>
+          <a:fillRef idx="0">
+            <a:schemeClr val="dk1"/>
+          </a:fillRef>
+          <a:effectRef idx="1">
+            <a:schemeClr val="dk1"/>
+          </a:effectRef>
+          <a:fontRef idx="minor">
+            <a:schemeClr val="tx1"/>
+          </a:fontRef>
+        </p:style>
+      </p:cxnSp>
+      <p:sp>
+        <p:nvSpPr>
+          <p:cNvPr id="56" name="TextBox 55"/>
+          <p:cNvSpPr txBox="1"/>
+          <p:nvPr/>
+        </p:nvSpPr>
+        <p:spPr>
+          <a:xfrm>
+            <a:off x="7499109" y="1714598"/>
+            <a:ext cx="1445430" cy="369332"/>
+          </a:xfrm>
+          <a:prstGeom prst="rect">
+            <a:avLst/>
+          </a:prstGeom>
+          <a:noFill/>
+        </p:spPr>
+        <p:txBody>
+          <a:bodyPr wrap="square" rtlCol="0">
+            <a:spAutoFit/>
+          </a:bodyPr>
+          <a:lstStyle/>
+          <a:p>
+            <a:pPr algn="ctr"/>
+            <a:r>
+              <a:rPr lang="en-US" altLang="zh-CN" dirty="0"/>
+              <a:t>http listener</a:t>
+            </a:r>
+          </a:p>
+        </p:txBody>
+      </p:sp>
+      <p:sp>
+        <p:nvSpPr>
+          <p:cNvPr id="57" name="右箭头 56"/>
+          <p:cNvSpPr/>
+          <p:nvPr/>
+        </p:nvSpPr>
+        <p:spPr>
+          <a:xfrm>
+            <a:off x="6970984" y="392331"/>
+            <a:ext cx="504056" cy="216024"/>
+          </a:xfrm>
+          <a:prstGeom prst="rightArrow">
+            <a:avLst/>
+          </a:prstGeom>
+        </p:spPr>
+        <p:style>
+          <a:lnRef idx="2">
+            <a:schemeClr val="dk1"/>
+          </a:lnRef>
+          <a:fillRef idx="1">
+            <a:schemeClr val="lt1"/>
+          </a:fillRef>
+          <a:effectRef idx="0">
+            <a:schemeClr val="dk1"/>
+          </a:effectRef>
+          <a:fontRef idx="minor">
+            <a:schemeClr val="dk1"/>
+          </a:fontRef>
+        </p:style>
+        <p:txBody>
+          <a:bodyPr rtlCol="0" anchor="ctr"/>
+          <a:lstStyle/>
+          <a:p>
+            <a:pPr algn="ctr"/>
+            <a:endParaRPr lang="zh-CN" altLang="en-US"/>
+          </a:p>
+        </p:txBody>
+      </p:sp>
+      <p:sp>
+        <p:nvSpPr>
+          <p:cNvPr id="58" name="TextBox 57"/>
+          <p:cNvSpPr txBox="1"/>
+          <p:nvPr/>
+        </p:nvSpPr>
+        <p:spPr>
+          <a:xfrm>
+            <a:off x="3414686" y="314107"/>
+            <a:ext cx="3556298" cy="369332"/>
+          </a:xfrm>
+          <a:prstGeom prst="rect">
+            <a:avLst/>
+          </a:prstGeom>
+          <a:noFill/>
+        </p:spPr>
+        <p:txBody>
+          <a:bodyPr wrap="square" rtlCol="0">
+            <a:spAutoFit/>
+          </a:bodyPr>
+          <a:lstStyle/>
+          <a:p>
+            <a:pPr algn="ctr"/>
+            <a:r>
+              <a:rPr lang="en-US" altLang="zh-CN" dirty="0" err="1"/>
+              <a:t>css</a:t>
+            </a:r>
+            <a:r>
+              <a:rPr lang="zh-CN" altLang="en-US" dirty="0"/>
+              <a:t>等加载方式与</a:t>
+            </a:r>
+            <a:r>
+              <a:rPr lang="en-US" altLang="zh-CN" dirty="0"/>
+              <a:t>HTML</a:t>
+            </a:r>
+            <a:r>
+              <a:rPr lang="zh-CN" altLang="en-US" dirty="0"/>
+              <a:t>完全相同</a:t>
+            </a:r>
+          </a:p>
+        </p:txBody>
+      </p:sp>
+      <p:cxnSp>
+        <p:nvCxnSpPr>
+          <p:cNvPr id="61" name="肘形连接符 60"/>
+          <p:cNvCxnSpPr>
+            <a:cxnSpLocks/>
+            <a:stCxn id="56" idx="2"/>
+            <a:endCxn id="22" idx="2"/>
+          </p:cNvCxnSpPr>
+          <p:nvPr/>
+        </p:nvCxnSpPr>
+        <p:spPr>
+          <a:xfrm rot="5400000">
+            <a:off x="3671519" y="1887201"/>
+            <a:ext cx="4353576" cy="4747035"/>
+          </a:xfrm>
+          <a:prstGeom prst="bentConnector3">
+            <a:avLst>
+              <a:gd name="adj1" fmla="val 106003"/>
+            </a:avLst>
+          </a:prstGeom>
+          <a:ln>
+            <a:tailEnd type="arrow"/>
+          </a:ln>
+        </p:spPr>
+        <p:style>
+          <a:lnRef idx="2">
+            <a:schemeClr val="dk1"/>
+          </a:lnRef>
+          <a:fillRef idx="0">
+            <a:schemeClr val="dk1"/>
+          </a:fillRef>
+          <a:effectRef idx="1">
+            <a:schemeClr val="dk1"/>
+          </a:effectRef>
+          <a:fontRef idx="minor">
+            <a:schemeClr val="tx1"/>
+          </a:fontRef>
+        </p:style>
+      </p:cxnSp>
+      <p:sp>
+        <p:nvSpPr>
+          <p:cNvPr id="55" name="TextBox 54"/>
+          <p:cNvSpPr txBox="1"/>
+          <p:nvPr/>
+        </p:nvSpPr>
+        <p:spPr>
+          <a:xfrm>
+            <a:off x="1595712" y="652456"/>
+            <a:ext cx="1624591" cy="369332"/>
+          </a:xfrm>
+          <a:prstGeom prst="rect">
+            <a:avLst/>
+          </a:prstGeom>
+          <a:noFill/>
+        </p:spPr>
+        <p:txBody>
+          <a:bodyPr wrap="square" rtlCol="0">
+            <a:spAutoFit/>
+          </a:bodyPr>
+          <a:lstStyle/>
+          <a:p>
+            <a:pPr algn="ctr"/>
+            <a:r>
+              <a:rPr lang="en-US" altLang="zh-CN" dirty="0" err="1">
+                <a:solidFill>
+                  <a:srgbClr val="0070C0"/>
+                </a:solidFill>
+              </a:rPr>
+              <a:t>m_hvml_dom</a:t>
+            </a:r>
+            <a:endParaRPr lang="en-US" altLang="zh-CN" dirty="0">
+              <a:solidFill>
+                <a:srgbClr val="0070C0"/>
+              </a:solidFill>
+            </a:endParaRPr>
+          </a:p>
+        </p:txBody>
+      </p:sp>
+      <p:sp>
+        <p:nvSpPr>
+          <p:cNvPr id="69" name="TextBox 68"/>
+          <p:cNvSpPr txBox="1"/>
+          <p:nvPr/>
+        </p:nvSpPr>
+        <p:spPr>
+          <a:xfrm>
+            <a:off x="3263167" y="1168819"/>
+            <a:ext cx="2809774" cy="646331"/>
+          </a:xfrm>
+          <a:prstGeom prst="rect">
+            <a:avLst/>
+          </a:prstGeom>
+          <a:noFill/>
+        </p:spPr>
+        <p:txBody>
+          <a:bodyPr wrap="square" rtlCol="0">
+            <a:spAutoFit/>
+          </a:bodyPr>
+          <a:lstStyle/>
+          <a:p>
+            <a:pPr algn="ctr"/>
+            <a:r>
+              <a:rPr lang="en-US" altLang="zh-CN" dirty="0" err="1">
+                <a:solidFill>
+                  <a:srgbClr val="FF0000"/>
+                </a:solidFill>
+              </a:rPr>
+              <a:t>Hvml</a:t>
+            </a:r>
+            <a:r>
+              <a:rPr lang="en-US" altLang="zh-CN" dirty="0">
+                <a:solidFill>
+                  <a:srgbClr val="FF0000"/>
+                </a:solidFill>
+              </a:rPr>
+              <a:t> </a:t>
+            </a:r>
+            <a:r>
+              <a:rPr lang="zh-CN" altLang="en-US" dirty="0">
+                <a:solidFill>
+                  <a:srgbClr val="FF0000"/>
+                </a:solidFill>
+              </a:rPr>
+              <a:t>的 </a:t>
+            </a:r>
+            <a:r>
+              <a:rPr lang="en-US" altLang="zh-CN" dirty="0">
+                <a:solidFill>
+                  <a:srgbClr val="FF0000"/>
+                </a:solidFill>
+              </a:rPr>
+              <a:t>runtime </a:t>
+            </a:r>
+            <a:r>
+              <a:rPr lang="zh-CN" altLang="en-US" dirty="0">
+                <a:solidFill>
+                  <a:srgbClr val="FF0000"/>
+                </a:solidFill>
+              </a:rPr>
+              <a:t>形态</a:t>
+            </a:r>
+            <a:endParaRPr lang="en-US" altLang="zh-CN" dirty="0">
+              <a:solidFill>
+                <a:srgbClr val="FF0000"/>
+              </a:solidFill>
+            </a:endParaRPr>
+          </a:p>
+          <a:p>
+            <a:pPr algn="ctr"/>
+            <a:r>
+              <a:rPr lang="zh-CN" altLang="en-US" dirty="0">
+                <a:solidFill>
+                  <a:srgbClr val="FF0000"/>
+                </a:solidFill>
+              </a:rPr>
+              <a:t>即 </a:t>
+            </a:r>
+            <a:r>
+              <a:rPr lang="en-US" altLang="zh-CN" dirty="0" err="1">
+                <a:solidFill>
+                  <a:srgbClr val="FF0000"/>
+                </a:solidFill>
+              </a:rPr>
+              <a:t>hvml</a:t>
+            </a:r>
+            <a:r>
+              <a:rPr lang="en-US" altLang="zh-CN" dirty="0">
+                <a:solidFill>
+                  <a:srgbClr val="FF0000"/>
+                </a:solidFill>
+              </a:rPr>
+              <a:t>-agent</a:t>
+            </a:r>
+          </a:p>
+        </p:txBody>
+      </p:sp>
+      <p:sp>
+        <p:nvSpPr>
+          <p:cNvPr id="44" name="环形箭头 7">
+            <a:extLst>
+              <a:ext uri="{FF2B5EF4-FFF2-40B4-BE49-F238E27FC236}">
+                <a16:creationId xmlns:a16="http://schemas.microsoft.com/office/drawing/2014/main" id="{3D231F57-D312-4870-A955-56996C3F5D9A}"/>
+              </a:ext>
+            </a:extLst>
+          </p:cNvPr>
+          <p:cNvSpPr/>
+          <p:nvPr/>
+        </p:nvSpPr>
+        <p:spPr>
+          <a:xfrm flipV="1">
+            <a:off x="7134993" y="814172"/>
+            <a:ext cx="936103" cy="900426"/>
+          </a:xfrm>
+          <a:prstGeom prst="circularArrow">
+            <a:avLst/>
+          </a:prstGeom>
+        </p:spPr>
+        <p:style>
+          <a:lnRef idx="2">
+            <a:schemeClr val="dk1"/>
+          </a:lnRef>
+          <a:fillRef idx="1">
+            <a:schemeClr val="lt1"/>
+          </a:fillRef>
+          <a:effectRef idx="0">
+            <a:schemeClr val="dk1"/>
+          </a:effectRef>
+          <a:fontRef idx="minor">
+            <a:schemeClr val="dk1"/>
+          </a:fontRef>
+        </p:style>
+        <p:txBody>
+          <a:bodyPr rtlCol="0" anchor="ctr"/>
+          <a:lstStyle/>
+          <a:p>
+            <a:pPr algn="ctr"/>
+            <a:endParaRPr lang="zh-CN" altLang="en-US">
+              <a:solidFill>
+                <a:schemeClr val="tx1"/>
+              </a:solidFill>
+            </a:endParaRPr>
+          </a:p>
+        </p:txBody>
+      </p:sp>
+      <p:sp>
+        <p:nvSpPr>
+          <p:cNvPr id="53" name="流程图: 多文档 52">
+            <a:extLst>
+              <a:ext uri="{FF2B5EF4-FFF2-40B4-BE49-F238E27FC236}">
+                <a16:creationId xmlns:a16="http://schemas.microsoft.com/office/drawing/2014/main" id="{27418356-4EB5-4466-9427-1BDE04CAC456}"/>
+              </a:ext>
+            </a:extLst>
+          </p:cNvPr>
+          <p:cNvSpPr/>
+          <p:nvPr/>
+        </p:nvSpPr>
+        <p:spPr>
+          <a:xfrm>
+            <a:off x="6263929" y="2970976"/>
+            <a:ext cx="936104" cy="720080"/>
+          </a:xfrm>
+          <a:prstGeom prst="flowChartMultidocument">
+            <a:avLst/>
+          </a:prstGeom>
+        </p:spPr>
+        <p:style>
+          <a:lnRef idx="2">
+            <a:schemeClr val="dk1"/>
+          </a:lnRef>
+          <a:fillRef idx="1">
+            <a:schemeClr val="lt1"/>
+          </a:fillRef>
+          <a:effectRef idx="0">
+            <a:schemeClr val="dk1"/>
+          </a:effectRef>
+          <a:fontRef idx="minor">
+            <a:schemeClr val="dk1"/>
+          </a:fontRef>
+        </p:style>
+        <p:txBody>
+          <a:bodyPr rtlCol="0" anchor="ctr"/>
+          <a:lstStyle/>
+          <a:p>
+            <a:pPr algn="ctr"/>
+            <a:r>
+              <a:rPr lang="en-US" altLang="zh-CN" dirty="0" err="1"/>
+              <a:t>uDOM</a:t>
+            </a:r>
+            <a:endParaRPr lang="zh-CN" altLang="en-US" dirty="0"/>
+          </a:p>
+        </p:txBody>
+      </p:sp>
+      <p:cxnSp>
+        <p:nvCxnSpPr>
+          <p:cNvPr id="54" name="直接箭头连接符 53">
+            <a:extLst>
+              <a:ext uri="{FF2B5EF4-FFF2-40B4-BE49-F238E27FC236}">
+                <a16:creationId xmlns:a16="http://schemas.microsoft.com/office/drawing/2014/main" id="{E9C5693B-11DE-4F8B-B9CC-768DDEC2AA9B}"/>
+              </a:ext>
+            </a:extLst>
+          </p:cNvPr>
+          <p:cNvCxnSpPr>
+            <a:cxnSpLocks/>
+            <a:stCxn id="96" idx="3"/>
+            <a:endCxn id="53" idx="1"/>
+          </p:cNvCxnSpPr>
+          <p:nvPr/>
+        </p:nvCxnSpPr>
+        <p:spPr>
+          <a:xfrm>
+            <a:off x="4782107" y="2564904"/>
+            <a:ext cx="1481822" cy="766112"/>
+          </a:xfrm>
+          <a:prstGeom prst="straightConnector1">
+            <a:avLst/>
+          </a:prstGeom>
+          <a:ln>
+            <a:tailEnd type="arrow"/>
+          </a:ln>
+        </p:spPr>
+        <p:style>
+          <a:lnRef idx="2">
+            <a:schemeClr val="dk1"/>
+          </a:lnRef>
+          <a:fillRef idx="0">
+            <a:schemeClr val="dk1"/>
+          </a:fillRef>
+          <a:effectRef idx="1">
+            <a:schemeClr val="dk1"/>
+          </a:effectRef>
+          <a:fontRef idx="minor">
+            <a:schemeClr val="tx1"/>
+          </a:fontRef>
+        </p:style>
+      </p:cxnSp>
+      <p:cxnSp>
+        <p:nvCxnSpPr>
+          <p:cNvPr id="66" name="肘形连接符 47">
+            <a:extLst>
+              <a:ext uri="{FF2B5EF4-FFF2-40B4-BE49-F238E27FC236}">
+                <a16:creationId xmlns:a16="http://schemas.microsoft.com/office/drawing/2014/main" id="{C7E92001-4EC6-4B62-8E2D-F9A9EA8048EE}"/>
+              </a:ext>
+            </a:extLst>
+          </p:cNvPr>
+          <p:cNvCxnSpPr>
+            <a:cxnSpLocks/>
+            <a:stCxn id="7" idx="1"/>
+            <a:endCxn id="18" idx="0"/>
+          </p:cNvCxnSpPr>
+          <p:nvPr/>
+        </p:nvCxnSpPr>
+        <p:spPr>
+          <a:xfrm rot="10800000" flipV="1">
+            <a:off x="1131412" y="1381828"/>
+            <a:ext cx="344244" cy="702102"/>
+          </a:xfrm>
+          <a:prstGeom prst="bentConnector2">
+            <a:avLst/>
+          </a:prstGeom>
+          <a:ln>
+            <a:tailEnd type="arrow"/>
+          </a:ln>
+        </p:spPr>
+        <p:style>
+          <a:lnRef idx="2">
+            <a:schemeClr val="dk1"/>
+          </a:lnRef>
+          <a:fillRef idx="0">
+            <a:schemeClr val="dk1"/>
+          </a:fillRef>
+          <a:effectRef idx="1">
+            <a:schemeClr val="dk1"/>
+          </a:effectRef>
+          <a:fontRef idx="minor">
+            <a:schemeClr val="tx1"/>
+          </a:fontRef>
+        </p:style>
+      </p:cxnSp>
+      <p:sp>
+        <p:nvSpPr>
+          <p:cNvPr id="94" name="流程图: 多文档 93">
+            <a:extLst>
+              <a:ext uri="{FF2B5EF4-FFF2-40B4-BE49-F238E27FC236}">
+                <a16:creationId xmlns:a16="http://schemas.microsoft.com/office/drawing/2014/main" id="{0BACEFFC-6B02-4C17-94F7-EF049D571EAE}"/>
+              </a:ext>
+            </a:extLst>
+          </p:cNvPr>
+          <p:cNvSpPr/>
+          <p:nvPr/>
+        </p:nvSpPr>
+        <p:spPr>
+          <a:xfrm>
+            <a:off x="2477623" y="4437112"/>
+            <a:ext cx="2316497" cy="864096"/>
+          </a:xfrm>
+          <a:prstGeom prst="flowChartMultidocument">
+            <a:avLst/>
+          </a:prstGeom>
+        </p:spPr>
+        <p:style>
+          <a:lnRef idx="2">
+            <a:schemeClr val="dk1"/>
+          </a:lnRef>
+          <a:fillRef idx="1">
+            <a:schemeClr val="lt1"/>
+          </a:fillRef>
+          <a:effectRef idx="0">
+            <a:schemeClr val="dk1"/>
+          </a:effectRef>
+          <a:fontRef idx="minor">
+            <a:schemeClr val="dk1"/>
+          </a:fontRef>
+        </p:style>
+        <p:txBody>
+          <a:bodyPr rtlCol="0" anchor="ctr"/>
+          <a:lstStyle/>
+          <a:p>
+            <a:pPr algn="ctr"/>
+            <a:r>
+              <a:rPr lang="en-US" altLang="zh-CN" dirty="0"/>
+              <a:t>vector&lt;.&gt;</a:t>
+            </a:r>
+          </a:p>
+          <a:p>
+            <a:pPr algn="ctr"/>
+            <a:r>
+              <a:rPr lang="en-US" altLang="zh-CN" dirty="0" err="1">
+                <a:solidFill>
+                  <a:srgbClr val="0070C0"/>
+                </a:solidFill>
+              </a:rPr>
+              <a:t>m_init_part</a:t>
+            </a:r>
+            <a:endParaRPr lang="en-US" altLang="zh-CN" dirty="0">
+              <a:solidFill>
+                <a:srgbClr val="0070C0"/>
+              </a:solidFill>
+            </a:endParaRPr>
+          </a:p>
+          <a:p>
+            <a:endParaRPr lang="en-US" altLang="zh-CN" dirty="0"/>
+          </a:p>
+        </p:txBody>
+      </p:sp>
+      <p:sp>
+        <p:nvSpPr>
+          <p:cNvPr id="95" name="流程图: 多文档 94">
+            <a:extLst>
+              <a:ext uri="{FF2B5EF4-FFF2-40B4-BE49-F238E27FC236}">
+                <a16:creationId xmlns:a16="http://schemas.microsoft.com/office/drawing/2014/main" id="{555AC5AA-E594-4FC1-B4D9-B73F894756AD}"/>
+              </a:ext>
+            </a:extLst>
+          </p:cNvPr>
+          <p:cNvSpPr/>
+          <p:nvPr/>
+        </p:nvSpPr>
+        <p:spPr>
+          <a:xfrm>
+            <a:off x="2475755" y="3284984"/>
+            <a:ext cx="2316497" cy="864096"/>
+          </a:xfrm>
+          <a:prstGeom prst="flowChartMultidocument">
+            <a:avLst/>
+          </a:prstGeom>
+        </p:spPr>
+        <p:style>
+          <a:lnRef idx="2">
+            <a:schemeClr val="dk1"/>
+          </a:lnRef>
+          <a:fillRef idx="1">
+            <a:schemeClr val="lt1"/>
+          </a:fillRef>
+          <a:effectRef idx="0">
+            <a:schemeClr val="dk1"/>
+          </a:effectRef>
+          <a:fontRef idx="minor">
+            <a:schemeClr val="dk1"/>
+          </a:fontRef>
+        </p:style>
+        <p:txBody>
+          <a:bodyPr rtlCol="0" anchor="ctr"/>
+          <a:lstStyle/>
+          <a:p>
+            <a:pPr algn="ctr"/>
+            <a:r>
+              <a:rPr lang="en-US" altLang="zh-CN" dirty="0"/>
+              <a:t>vector&lt;.&gt;</a:t>
+            </a:r>
+          </a:p>
+          <a:p>
+            <a:pPr algn="ctr"/>
+            <a:r>
+              <a:rPr lang="en-US" altLang="zh-CN" dirty="0" err="1">
+                <a:solidFill>
+                  <a:srgbClr val="0070C0"/>
+                </a:solidFill>
+              </a:rPr>
+              <a:t>m_iterate_part</a:t>
+            </a:r>
+            <a:endParaRPr lang="en-US" altLang="zh-CN" dirty="0">
+              <a:solidFill>
+                <a:srgbClr val="0070C0"/>
+              </a:solidFill>
+            </a:endParaRPr>
+          </a:p>
+          <a:p>
+            <a:endParaRPr lang="en-US" altLang="zh-CN" dirty="0"/>
+          </a:p>
+        </p:txBody>
+      </p:sp>
+      <p:sp>
+        <p:nvSpPr>
+          <p:cNvPr id="96" name="流程图: 多文档 95">
+            <a:extLst>
+              <a:ext uri="{FF2B5EF4-FFF2-40B4-BE49-F238E27FC236}">
+                <a16:creationId xmlns:a16="http://schemas.microsoft.com/office/drawing/2014/main" id="{DC90AAA3-15FC-46B9-86DE-82D4C646C764}"/>
+              </a:ext>
+            </a:extLst>
+          </p:cNvPr>
+          <p:cNvSpPr/>
+          <p:nvPr/>
+        </p:nvSpPr>
+        <p:spPr>
+          <a:xfrm>
+            <a:off x="2465610" y="2132856"/>
+            <a:ext cx="2316497" cy="864096"/>
+          </a:xfrm>
+          <a:prstGeom prst="flowChartMultidocument">
+            <a:avLst/>
+          </a:prstGeom>
+        </p:spPr>
+        <p:style>
+          <a:lnRef idx="2">
+            <a:schemeClr val="dk1"/>
+          </a:lnRef>
+          <a:fillRef idx="1">
+            <a:schemeClr val="lt1"/>
+          </a:fillRef>
+          <a:effectRef idx="0">
+            <a:schemeClr val="dk1"/>
+          </a:effectRef>
+          <a:fontRef idx="minor">
+            <a:schemeClr val="dk1"/>
+          </a:fontRef>
+        </p:style>
+        <p:txBody>
+          <a:bodyPr rtlCol="0" anchor="ctr"/>
+          <a:lstStyle/>
+          <a:p>
+            <a:pPr algn="ctr"/>
+            <a:r>
+              <a:rPr lang="en-US" altLang="zh-CN" dirty="0"/>
+              <a:t>vector&lt;.&gt;</a:t>
+            </a:r>
+          </a:p>
+          <a:p>
+            <a:pPr algn="ctr"/>
+            <a:r>
+              <a:rPr lang="en-US" altLang="zh-CN" dirty="0" err="1">
+                <a:solidFill>
+                  <a:srgbClr val="0070C0"/>
+                </a:solidFill>
+              </a:rPr>
+              <a:t>m_archetype_part</a:t>
+            </a:r>
+            <a:endParaRPr lang="en-US" altLang="zh-CN" dirty="0">
+              <a:solidFill>
+                <a:srgbClr val="0070C0"/>
+              </a:solidFill>
+            </a:endParaRPr>
+          </a:p>
+          <a:p>
+            <a:endParaRPr lang="en-US" altLang="zh-CN" dirty="0"/>
+          </a:p>
+        </p:txBody>
+      </p:sp>
+      <p:cxnSp>
+        <p:nvCxnSpPr>
+          <p:cNvPr id="97" name="肘形连接符 47">
+            <a:extLst>
+              <a:ext uri="{FF2B5EF4-FFF2-40B4-BE49-F238E27FC236}">
+                <a16:creationId xmlns:a16="http://schemas.microsoft.com/office/drawing/2014/main" id="{04C3B6D8-B6F3-4770-87C3-9CF8665FEE0C}"/>
+              </a:ext>
+            </a:extLst>
+          </p:cNvPr>
+          <p:cNvCxnSpPr>
+            <a:cxnSpLocks/>
+            <a:stCxn id="18" idx="2"/>
+            <a:endCxn id="96" idx="1"/>
+          </p:cNvCxnSpPr>
+          <p:nvPr/>
+        </p:nvCxnSpPr>
+        <p:spPr>
+          <a:xfrm rot="5400000" flipH="1" flipV="1">
+            <a:off x="1715832" y="1980484"/>
+            <a:ext cx="165357" cy="1334198"/>
+          </a:xfrm>
+          <a:prstGeom prst="bentConnector4">
+            <a:avLst>
+              <a:gd name="adj1" fmla="val -138246"/>
+              <a:gd name="adj2" fmla="val 73230"/>
+            </a:avLst>
+          </a:prstGeom>
+          <a:ln>
+            <a:tailEnd type="arrow"/>
+          </a:ln>
+        </p:spPr>
+        <p:style>
+          <a:lnRef idx="2">
+            <a:schemeClr val="dk1"/>
+          </a:lnRef>
+          <a:fillRef idx="0">
+            <a:schemeClr val="dk1"/>
+          </a:fillRef>
+          <a:effectRef idx="1">
+            <a:schemeClr val="dk1"/>
+          </a:effectRef>
+          <a:fontRef idx="minor">
+            <a:schemeClr val="tx1"/>
+          </a:fontRef>
+        </p:style>
+      </p:cxnSp>
+      <p:cxnSp>
+        <p:nvCxnSpPr>
+          <p:cNvPr id="98" name="肘形连接符 47">
+            <a:extLst>
+              <a:ext uri="{FF2B5EF4-FFF2-40B4-BE49-F238E27FC236}">
+                <a16:creationId xmlns:a16="http://schemas.microsoft.com/office/drawing/2014/main" id="{1527B49F-869B-48DF-A19A-5DCBECB9F27E}"/>
+              </a:ext>
+            </a:extLst>
+          </p:cNvPr>
+          <p:cNvCxnSpPr>
+            <a:cxnSpLocks/>
+            <a:stCxn id="18" idx="2"/>
+            <a:endCxn id="95" idx="1"/>
+          </p:cNvCxnSpPr>
+          <p:nvPr/>
+        </p:nvCxnSpPr>
+        <p:spPr>
+          <a:xfrm rot="16200000" flipH="1">
+            <a:off x="1310198" y="2551474"/>
+            <a:ext cx="986771" cy="1344343"/>
+          </a:xfrm>
+          <a:prstGeom prst="bentConnector2">
+            <a:avLst/>
+          </a:prstGeom>
+          <a:ln>
+            <a:tailEnd type="arrow"/>
+          </a:ln>
+        </p:spPr>
+        <p:style>
+          <a:lnRef idx="2">
+            <a:schemeClr val="dk1"/>
+          </a:lnRef>
+          <a:fillRef idx="0">
+            <a:schemeClr val="dk1"/>
+          </a:fillRef>
+          <a:effectRef idx="1">
+            <a:schemeClr val="dk1"/>
+          </a:effectRef>
+          <a:fontRef idx="minor">
+            <a:schemeClr val="tx1"/>
+          </a:fontRef>
+        </p:style>
+      </p:cxnSp>
+      <p:cxnSp>
+        <p:nvCxnSpPr>
+          <p:cNvPr id="112" name="直接箭头连接符 111">
+            <a:extLst>
+              <a:ext uri="{FF2B5EF4-FFF2-40B4-BE49-F238E27FC236}">
+                <a16:creationId xmlns:a16="http://schemas.microsoft.com/office/drawing/2014/main" id="{418C6558-C4E8-49A3-8798-81A772006351}"/>
+              </a:ext>
+            </a:extLst>
+          </p:cNvPr>
+          <p:cNvCxnSpPr>
+            <a:cxnSpLocks/>
+            <a:stCxn id="53" idx="0"/>
+            <a:endCxn id="14" idx="2"/>
+          </p:cNvCxnSpPr>
+          <p:nvPr/>
+        </p:nvCxnSpPr>
+        <p:spPr>
+          <a:xfrm flipH="1" flipV="1">
+            <a:off x="6781661" y="2042620"/>
+            <a:ext cx="14720" cy="928356"/>
+          </a:xfrm>
+          <a:prstGeom prst="straightConnector1">
+            <a:avLst/>
+          </a:prstGeom>
+          <a:ln>
+            <a:tailEnd type="arrow"/>
+          </a:ln>
+        </p:spPr>
+        <p:style>
+          <a:lnRef idx="2">
+            <a:schemeClr val="dk1"/>
+          </a:lnRef>
+          <a:fillRef idx="0">
+            <a:schemeClr val="dk1"/>
+          </a:fillRef>
+          <a:effectRef idx="1">
+            <a:schemeClr val="dk1"/>
+          </a:effectRef>
+          <a:fontRef idx="minor">
+            <a:schemeClr val="tx1"/>
+          </a:fontRef>
+        </p:style>
+      </p:cxnSp>
+      <p:cxnSp>
+        <p:nvCxnSpPr>
+          <p:cNvPr id="115" name="直接箭头连接符 114">
+            <a:extLst>
+              <a:ext uri="{FF2B5EF4-FFF2-40B4-BE49-F238E27FC236}">
+                <a16:creationId xmlns:a16="http://schemas.microsoft.com/office/drawing/2014/main" id="{B8200BB2-38FF-4CFF-865D-F6C54234930D}"/>
+              </a:ext>
+            </a:extLst>
+          </p:cNvPr>
+          <p:cNvCxnSpPr>
+            <a:cxnSpLocks/>
+            <a:stCxn id="95" idx="3"/>
+            <a:endCxn id="53" idx="1"/>
+          </p:cNvCxnSpPr>
+          <p:nvPr/>
+        </p:nvCxnSpPr>
+        <p:spPr>
+          <a:xfrm flipV="1">
+            <a:off x="4792252" y="3331016"/>
+            <a:ext cx="1471677" cy="386016"/>
+          </a:xfrm>
+          <a:prstGeom prst="straightConnector1">
+            <a:avLst/>
+          </a:prstGeom>
+          <a:ln>
+            <a:tailEnd type="arrow"/>
+          </a:ln>
+        </p:spPr>
+        <p:style>
+          <a:lnRef idx="2">
+            <a:schemeClr val="dk1"/>
+          </a:lnRef>
+          <a:fillRef idx="0">
+            <a:schemeClr val="dk1"/>
+          </a:fillRef>
+          <a:effectRef idx="1">
+            <a:schemeClr val="dk1"/>
+          </a:effectRef>
+          <a:fontRef idx="minor">
+            <a:schemeClr val="tx1"/>
+          </a:fontRef>
+        </p:style>
+      </p:cxnSp>
+      <p:sp>
+        <p:nvSpPr>
+          <p:cNvPr id="124" name="TextBox 57">
+            <a:extLst>
+              <a:ext uri="{FF2B5EF4-FFF2-40B4-BE49-F238E27FC236}">
+                <a16:creationId xmlns:a16="http://schemas.microsoft.com/office/drawing/2014/main" id="{756254D0-EC5E-42D4-B947-5AE2DF596A9C}"/>
+              </a:ext>
+            </a:extLst>
+          </p:cNvPr>
+          <p:cNvSpPr txBox="1"/>
+          <p:nvPr/>
+        </p:nvSpPr>
+        <p:spPr>
+          <a:xfrm rot="1661030">
+            <a:off x="5132852" y="2681518"/>
+            <a:ext cx="1243148" cy="369332"/>
+          </a:xfrm>
+          <a:prstGeom prst="rect">
+            <a:avLst/>
+          </a:prstGeom>
+          <a:noFill/>
+        </p:spPr>
+        <p:txBody>
+          <a:bodyPr wrap="square" rtlCol="0">
+            <a:spAutoFit/>
+          </a:bodyPr>
+          <a:lstStyle/>
+          <a:p>
+            <a:pPr algn="ctr"/>
+            <a:r>
+              <a:rPr lang="zh-CN" altLang="en-US" dirty="0"/>
+              <a:t>生成节点</a:t>
+            </a:r>
+          </a:p>
+        </p:txBody>
+      </p:sp>
+      <p:sp>
+        <p:nvSpPr>
+          <p:cNvPr id="125" name="TextBox 57">
+            <a:extLst>
+              <a:ext uri="{FF2B5EF4-FFF2-40B4-BE49-F238E27FC236}">
+                <a16:creationId xmlns:a16="http://schemas.microsoft.com/office/drawing/2014/main" id="{41443FE5-12DA-4AA7-BC2C-CFB8382F4449}"/>
+              </a:ext>
+            </a:extLst>
+          </p:cNvPr>
+          <p:cNvSpPr txBox="1"/>
+          <p:nvPr/>
+        </p:nvSpPr>
+        <p:spPr>
+          <a:xfrm rot="20712936">
+            <a:off x="5143772" y="3458465"/>
+            <a:ext cx="1243148" cy="369332"/>
+          </a:xfrm>
+          <a:prstGeom prst="rect">
+            <a:avLst/>
+          </a:prstGeom>
+          <a:noFill/>
+        </p:spPr>
+        <p:txBody>
+          <a:bodyPr wrap="square" rtlCol="0">
+            <a:spAutoFit/>
+          </a:bodyPr>
+          <a:lstStyle/>
+          <a:p>
+            <a:pPr algn="ctr"/>
+            <a:r>
+              <a:rPr lang="zh-CN" altLang="en-US" dirty="0"/>
+              <a:t>生成节点</a:t>
+            </a:r>
+          </a:p>
+        </p:txBody>
+      </p:sp>
+      <p:sp>
+        <p:nvSpPr>
+          <p:cNvPr id="126" name="TextBox 57">
+            <a:extLst>
+              <a:ext uri="{FF2B5EF4-FFF2-40B4-BE49-F238E27FC236}">
+                <a16:creationId xmlns:a16="http://schemas.microsoft.com/office/drawing/2014/main" id="{2219690D-64EB-487A-910D-146336458066}"/>
+              </a:ext>
+            </a:extLst>
+          </p:cNvPr>
+          <p:cNvSpPr txBox="1"/>
+          <p:nvPr/>
+        </p:nvSpPr>
+        <p:spPr>
+          <a:xfrm>
+            <a:off x="5432344" y="5668850"/>
+            <a:ext cx="1485864" cy="369332"/>
+          </a:xfrm>
+          <a:prstGeom prst="rect">
+            <a:avLst/>
+          </a:prstGeom>
+          <a:noFill/>
+        </p:spPr>
+        <p:txBody>
+          <a:bodyPr wrap="square" rtlCol="0">
+            <a:spAutoFit/>
+          </a:bodyPr>
+          <a:lstStyle/>
+          <a:p>
+            <a:pPr algn="ctr"/>
+            <a:r>
+              <a:rPr lang="zh-CN" altLang="en-US" dirty="0"/>
+              <a:t>生成</a:t>
+            </a:r>
+            <a:r>
+              <a:rPr lang="en-US" altLang="zh-CN" dirty="0" err="1"/>
+              <a:t>js</a:t>
+            </a:r>
+            <a:r>
+              <a:rPr lang="zh-CN" altLang="en-US" dirty="0"/>
+              <a:t>代码</a:t>
+            </a:r>
+          </a:p>
+        </p:txBody>
+      </p:sp>
+      <p:sp>
+        <p:nvSpPr>
+          <p:cNvPr id="127" name="TextBox 57">
+            <a:extLst>
+              <a:ext uri="{FF2B5EF4-FFF2-40B4-BE49-F238E27FC236}">
+                <a16:creationId xmlns:a16="http://schemas.microsoft.com/office/drawing/2014/main" id="{29A49343-3782-4551-A8D7-F72BF04B8E3C}"/>
+              </a:ext>
+            </a:extLst>
+          </p:cNvPr>
+          <p:cNvSpPr txBox="1"/>
+          <p:nvPr/>
+        </p:nvSpPr>
+        <p:spPr>
+          <a:xfrm>
+            <a:off x="5332594" y="4531186"/>
+            <a:ext cx="1485864" cy="369332"/>
+          </a:xfrm>
+          <a:prstGeom prst="rect">
+            <a:avLst/>
+          </a:prstGeom>
+          <a:noFill/>
+        </p:spPr>
+        <p:txBody>
+          <a:bodyPr wrap="square" rtlCol="0">
+            <a:spAutoFit/>
+          </a:bodyPr>
+          <a:lstStyle/>
+          <a:p>
+            <a:pPr algn="ctr"/>
+            <a:r>
+              <a:rPr lang="zh-CN" altLang="en-US" dirty="0"/>
+              <a:t>同步数据</a:t>
+            </a:r>
+          </a:p>
+        </p:txBody>
+      </p:sp>
+      <p:cxnSp>
+        <p:nvCxnSpPr>
+          <p:cNvPr id="139" name="肘形连接符 47">
+            <a:extLst>
+              <a:ext uri="{FF2B5EF4-FFF2-40B4-BE49-F238E27FC236}">
+                <a16:creationId xmlns:a16="http://schemas.microsoft.com/office/drawing/2014/main" id="{9B82A90D-35DB-4AAE-906A-870C26A2C0E5}"/>
+              </a:ext>
+            </a:extLst>
+          </p:cNvPr>
+          <p:cNvCxnSpPr>
+            <a:cxnSpLocks/>
+            <a:stCxn id="22" idx="3"/>
+            <a:endCxn id="53" idx="3"/>
+          </p:cNvCxnSpPr>
+          <p:nvPr/>
+        </p:nvCxnSpPr>
+        <p:spPr>
+          <a:xfrm flipV="1">
+            <a:off x="4794120" y="3331016"/>
+            <a:ext cx="2405913" cy="2707166"/>
+          </a:xfrm>
+          <a:prstGeom prst="bentConnector3">
+            <a:avLst>
+              <a:gd name="adj1" fmla="val 109502"/>
+            </a:avLst>
+          </a:prstGeom>
+          <a:ln>
+            <a:tailEnd type="arrow"/>
+          </a:ln>
+        </p:spPr>
+        <p:style>
+          <a:lnRef idx="2">
+            <a:schemeClr val="dk1"/>
+          </a:lnRef>
+          <a:fillRef idx="0">
+            <a:schemeClr val="dk1"/>
+          </a:fillRef>
+          <a:effectRef idx="1">
+            <a:schemeClr val="dk1"/>
+          </a:effectRef>
+          <a:fontRef idx="minor">
+            <a:schemeClr val="tx1"/>
+          </a:fontRef>
+        </p:style>
+      </p:cxnSp>
+      <p:cxnSp>
+        <p:nvCxnSpPr>
+          <p:cNvPr id="162" name="连接符: 曲线 161">
+            <a:extLst>
+              <a:ext uri="{FF2B5EF4-FFF2-40B4-BE49-F238E27FC236}">
+                <a16:creationId xmlns:a16="http://schemas.microsoft.com/office/drawing/2014/main" id="{61CA8B2D-4EDE-42BF-B79A-5268DD139060}"/>
+              </a:ext>
+            </a:extLst>
+          </p:cNvPr>
+          <p:cNvCxnSpPr>
+            <a:stCxn id="22" idx="3"/>
+            <a:endCxn id="94" idx="3"/>
+          </p:cNvCxnSpPr>
+          <p:nvPr/>
+        </p:nvCxnSpPr>
+        <p:spPr>
+          <a:xfrm flipV="1">
+            <a:off x="4794120" y="4869160"/>
+            <a:ext cx="12700" cy="1169022"/>
+          </a:xfrm>
+          <a:prstGeom prst="curvedConnector3">
+            <a:avLst>
+              <a:gd name="adj1" fmla="val 1800000"/>
+            </a:avLst>
+          </a:prstGeom>
+          <a:ln>
+            <a:tailEnd type="triangle"/>
+          </a:ln>
+        </p:spPr>
+        <p:style>
+          <a:lnRef idx="2">
+            <a:schemeClr val="accent1"/>
+          </a:lnRef>
+          <a:fillRef idx="0">
+            <a:schemeClr val="accent1"/>
+          </a:fillRef>
+          <a:effectRef idx="1">
+            <a:schemeClr val="accent1"/>
+          </a:effectRef>
+          <a:fontRef idx="minor">
+            <a:schemeClr val="tx1"/>
+          </a:fontRef>
+        </p:style>
+      </p:cxnSp>
+      <p:cxnSp>
+        <p:nvCxnSpPr>
+          <p:cNvPr id="163" name="连接符: 曲线 162">
+            <a:extLst>
+              <a:ext uri="{FF2B5EF4-FFF2-40B4-BE49-F238E27FC236}">
+                <a16:creationId xmlns:a16="http://schemas.microsoft.com/office/drawing/2014/main" id="{9559CB54-2555-4B3F-BCD1-50D8F3C8385C}"/>
+              </a:ext>
+            </a:extLst>
+          </p:cNvPr>
+          <p:cNvCxnSpPr>
+            <a:cxnSpLocks/>
+            <a:stCxn id="22" idx="3"/>
+            <a:endCxn id="95" idx="3"/>
+          </p:cNvCxnSpPr>
+          <p:nvPr/>
+        </p:nvCxnSpPr>
+        <p:spPr>
+          <a:xfrm flipH="1" flipV="1">
+            <a:off x="4792252" y="3717032"/>
+            <a:ext cx="1868" cy="2321150"/>
+          </a:xfrm>
+          <a:prstGeom prst="curvedConnector3">
+            <a:avLst>
+              <a:gd name="adj1" fmla="val -19080246"/>
+            </a:avLst>
+          </a:prstGeom>
+          <a:ln>
+            <a:tailEnd type="triangle"/>
+          </a:ln>
+        </p:spPr>
+        <p:style>
+          <a:lnRef idx="2">
+            <a:schemeClr val="accent1"/>
+          </a:lnRef>
+          <a:fillRef idx="0">
+            <a:schemeClr val="accent1"/>
+          </a:fillRef>
+          <a:effectRef idx="1">
+            <a:schemeClr val="accent1"/>
+          </a:effectRef>
+          <a:fontRef idx="minor">
+            <a:schemeClr val="tx1"/>
+          </a:fontRef>
+        </p:style>
+      </p:cxnSp>
+      <p:cxnSp>
+        <p:nvCxnSpPr>
+          <p:cNvPr id="166" name="连接符: 曲线 165">
+            <a:extLst>
+              <a:ext uri="{FF2B5EF4-FFF2-40B4-BE49-F238E27FC236}">
+                <a16:creationId xmlns:a16="http://schemas.microsoft.com/office/drawing/2014/main" id="{20903154-E153-45DF-BFA3-551C860269B5}"/>
+              </a:ext>
+            </a:extLst>
+          </p:cNvPr>
+          <p:cNvCxnSpPr>
+            <a:cxnSpLocks/>
+            <a:stCxn id="22" idx="3"/>
+            <a:endCxn id="96" idx="3"/>
+          </p:cNvCxnSpPr>
+          <p:nvPr/>
+        </p:nvCxnSpPr>
+        <p:spPr>
+          <a:xfrm flipH="1" flipV="1">
+            <a:off x="4782107" y="2564904"/>
+            <a:ext cx="12013" cy="3473278"/>
+          </a:xfrm>
+          <a:prstGeom prst="curvedConnector3">
+            <a:avLst>
+              <a:gd name="adj1" fmla="val -4194656"/>
+            </a:avLst>
+          </a:prstGeom>
+          <a:ln>
+            <a:tailEnd type="triangle"/>
+          </a:ln>
+        </p:spPr>
+        <p:style>
+          <a:lnRef idx="2">
+            <a:schemeClr val="accent1"/>
+          </a:lnRef>
+          <a:fillRef idx="0">
+            <a:schemeClr val="accent1"/>
+          </a:fillRef>
+          <a:effectRef idx="1">
+            <a:schemeClr val="accent1"/>
+          </a:effectRef>
+          <a:fontRef idx="minor">
+            <a:schemeClr val="tx1"/>
+          </a:fontRef>
+        </p:style>
+      </p:cxnSp>
+      <p:cxnSp>
+        <p:nvCxnSpPr>
+          <p:cNvPr id="173" name="连接符: 曲线 172">
+            <a:extLst>
+              <a:ext uri="{FF2B5EF4-FFF2-40B4-BE49-F238E27FC236}">
+                <a16:creationId xmlns:a16="http://schemas.microsoft.com/office/drawing/2014/main" id="{9DCB979F-871A-4542-98E9-DCAEB24AECFD}"/>
+              </a:ext>
+            </a:extLst>
+          </p:cNvPr>
+          <p:cNvCxnSpPr>
+            <a:cxnSpLocks/>
+            <a:stCxn id="22" idx="1"/>
+            <a:endCxn id="7" idx="2"/>
+          </p:cNvCxnSpPr>
+          <p:nvPr/>
+        </p:nvCxnSpPr>
+        <p:spPr>
+          <a:xfrm rot="10800000">
+            <a:off x="1878615" y="1714598"/>
+            <a:ext cx="599009" cy="4323584"/>
+          </a:xfrm>
+          <a:prstGeom prst="curvedConnector2">
+            <a:avLst/>
+          </a:prstGeom>
+          <a:ln>
+            <a:tailEnd type="triangle"/>
+          </a:ln>
+        </p:spPr>
+        <p:style>
+          <a:lnRef idx="2">
+            <a:schemeClr val="dk1"/>
+          </a:lnRef>
+          <a:fillRef idx="0">
+            <a:schemeClr val="dk1"/>
+          </a:fillRef>
+          <a:effectRef idx="1">
+            <a:schemeClr val="dk1"/>
+          </a:effectRef>
+          <a:fontRef idx="minor">
+            <a:schemeClr val="tx1"/>
+          </a:fontRef>
+        </p:style>
+      </p:cxnSp>
+      <p:cxnSp>
+        <p:nvCxnSpPr>
+          <p:cNvPr id="174" name="连接符: 曲线 173">
+            <a:extLst>
+              <a:ext uri="{FF2B5EF4-FFF2-40B4-BE49-F238E27FC236}">
+                <a16:creationId xmlns:a16="http://schemas.microsoft.com/office/drawing/2014/main" id="{1AF718FE-6C29-4EA4-8094-16538E02BF52}"/>
+              </a:ext>
+            </a:extLst>
+          </p:cNvPr>
+          <p:cNvCxnSpPr>
+            <a:cxnSpLocks/>
+            <a:stCxn id="96" idx="1"/>
+            <a:endCxn id="7" idx="2"/>
+          </p:cNvCxnSpPr>
+          <p:nvPr/>
+        </p:nvCxnSpPr>
+        <p:spPr>
+          <a:xfrm rot="10800000">
+            <a:off x="1878614" y="1714598"/>
+            <a:ext cx="586996" cy="850306"/>
+          </a:xfrm>
+          <a:prstGeom prst="curvedConnector2">
+            <a:avLst/>
+          </a:prstGeom>
+          <a:ln>
+            <a:tailEnd type="triangle"/>
+          </a:ln>
+        </p:spPr>
+        <p:style>
+          <a:lnRef idx="2">
+            <a:schemeClr val="dk1"/>
+          </a:lnRef>
+          <a:fillRef idx="0">
+            <a:schemeClr val="dk1"/>
+          </a:fillRef>
+          <a:effectRef idx="1">
+            <a:schemeClr val="dk1"/>
+          </a:effectRef>
+          <a:fontRef idx="minor">
+            <a:schemeClr val="tx1"/>
+          </a:fontRef>
+        </p:style>
+      </p:cxnSp>
+      <p:cxnSp>
+        <p:nvCxnSpPr>
+          <p:cNvPr id="177" name="连接符: 曲线 176">
+            <a:extLst>
+              <a:ext uri="{FF2B5EF4-FFF2-40B4-BE49-F238E27FC236}">
+                <a16:creationId xmlns:a16="http://schemas.microsoft.com/office/drawing/2014/main" id="{E22A2353-AF0F-42EC-8EA4-BDF23213E2F8}"/>
+              </a:ext>
+            </a:extLst>
+          </p:cNvPr>
+          <p:cNvCxnSpPr>
+            <a:cxnSpLocks/>
+            <a:stCxn id="95" idx="1"/>
+            <a:endCxn id="7" idx="2"/>
+          </p:cNvCxnSpPr>
+          <p:nvPr/>
+        </p:nvCxnSpPr>
+        <p:spPr>
+          <a:xfrm rot="10800000">
+            <a:off x="1878615" y="1714598"/>
+            <a:ext cx="597141" cy="2002434"/>
+          </a:xfrm>
+          <a:prstGeom prst="curvedConnector2">
+            <a:avLst/>
+          </a:prstGeom>
+          <a:ln>
+            <a:tailEnd type="triangle"/>
+          </a:ln>
+        </p:spPr>
+        <p:style>
+          <a:lnRef idx="2">
+            <a:schemeClr val="dk1"/>
+          </a:lnRef>
+          <a:fillRef idx="0">
+            <a:schemeClr val="dk1"/>
+          </a:fillRef>
+          <a:effectRef idx="1">
+            <a:schemeClr val="dk1"/>
+          </a:effectRef>
+          <a:fontRef idx="minor">
+            <a:schemeClr val="tx1"/>
+          </a:fontRef>
+        </p:style>
+      </p:cxnSp>
+      <p:cxnSp>
+        <p:nvCxnSpPr>
+          <p:cNvPr id="180" name="连接符: 曲线 179">
+            <a:extLst>
+              <a:ext uri="{FF2B5EF4-FFF2-40B4-BE49-F238E27FC236}">
+                <a16:creationId xmlns:a16="http://schemas.microsoft.com/office/drawing/2014/main" id="{EC942FB4-404F-43C1-BF49-8570B00F6BBF}"/>
+              </a:ext>
+            </a:extLst>
+          </p:cNvPr>
+          <p:cNvCxnSpPr>
+            <a:cxnSpLocks/>
+            <a:stCxn id="94" idx="1"/>
+            <a:endCxn id="7" idx="2"/>
+          </p:cNvCxnSpPr>
+          <p:nvPr/>
+        </p:nvCxnSpPr>
+        <p:spPr>
+          <a:xfrm rot="10800000">
+            <a:off x="1878615" y="1714598"/>
+            <a:ext cx="599009" cy="3154562"/>
+          </a:xfrm>
+          <a:prstGeom prst="curvedConnector2">
+            <a:avLst/>
+          </a:prstGeom>
+          <a:ln>
+            <a:tailEnd type="triangle"/>
+          </a:ln>
+        </p:spPr>
+        <p:style>
+          <a:lnRef idx="2">
+            <a:schemeClr val="dk1"/>
+          </a:lnRef>
+          <a:fillRef idx="0">
+            <a:schemeClr val="dk1"/>
+          </a:fillRef>
+          <a:effectRef idx="1">
+            <a:schemeClr val="dk1"/>
+          </a:effectRef>
+          <a:fontRef idx="minor">
+            <a:schemeClr val="tx1"/>
+          </a:fontRef>
+        </p:style>
+      </p:cxnSp>
+      <p:cxnSp>
+        <p:nvCxnSpPr>
+          <p:cNvPr id="142" name="肘形连接符 47">
+            <a:extLst>
+              <a:ext uri="{FF2B5EF4-FFF2-40B4-BE49-F238E27FC236}">
+                <a16:creationId xmlns:a16="http://schemas.microsoft.com/office/drawing/2014/main" id="{5A3D77B6-2FA5-449A-B956-0CDE0B2825C9}"/>
+              </a:ext>
+            </a:extLst>
+          </p:cNvPr>
+          <p:cNvCxnSpPr>
+            <a:cxnSpLocks/>
+            <a:stCxn id="94" idx="3"/>
+            <a:endCxn id="53" idx="2"/>
+          </p:cNvCxnSpPr>
+          <p:nvPr/>
+        </p:nvCxnSpPr>
+        <p:spPr>
+          <a:xfrm flipV="1">
+            <a:off x="4794120" y="3663786"/>
+            <a:ext cx="1872767" cy="1205374"/>
+          </a:xfrm>
+          <a:prstGeom prst="bentConnector2">
+            <a:avLst/>
+          </a:prstGeom>
+          <a:ln>
+            <a:headEnd type="arrow" w="med" len="med"/>
+            <a:tailEnd type="arrow" w="med" len="med"/>
+          </a:ln>
+        </p:spPr>
+        <p:style>
+          <a:lnRef idx="2">
+            <a:schemeClr val="dk1"/>
+          </a:lnRef>
+          <a:fillRef idx="0">
+            <a:schemeClr val="dk1"/>
+          </a:fillRef>
+          <a:effectRef idx="1">
+            <a:schemeClr val="dk1"/>
+          </a:effectRef>
+          <a:fontRef idx="minor">
+            <a:schemeClr val="tx1"/>
+          </a:fontRef>
+        </p:style>
+      </p:cxnSp>
+      <p:sp>
+        <p:nvSpPr>
+          <p:cNvPr id="235" name="对话气泡: 矩形 234">
+            <a:extLst>
+              <a:ext uri="{FF2B5EF4-FFF2-40B4-BE49-F238E27FC236}">
+                <a16:creationId xmlns:a16="http://schemas.microsoft.com/office/drawing/2014/main" id="{94986735-24C7-4588-BA39-36849627229F}"/>
+              </a:ext>
+            </a:extLst>
+          </p:cNvPr>
+          <p:cNvSpPr/>
+          <p:nvPr/>
+        </p:nvSpPr>
+        <p:spPr>
+          <a:xfrm>
+            <a:off x="150122" y="6134520"/>
+            <a:ext cx="1793586" cy="671419"/>
+          </a:xfrm>
+          <a:prstGeom prst="wedgeRectCallout">
+            <a:avLst>
+              <a:gd name="adj1" fmla="val 61093"/>
+              <a:gd name="adj2" fmla="val -174046"/>
+            </a:avLst>
+          </a:prstGeom>
+        </p:spPr>
+        <p:style>
+          <a:lnRef idx="2">
+            <a:schemeClr val="accent1"/>
+          </a:lnRef>
+          <a:fillRef idx="1">
+            <a:schemeClr val="lt1"/>
+          </a:fillRef>
+          <a:effectRef idx="0">
+            <a:schemeClr val="accent1"/>
+          </a:effectRef>
+          <a:fontRef idx="minor">
+            <a:schemeClr val="dk1"/>
+          </a:fontRef>
+        </p:style>
+        <p:txBody>
+          <a:bodyPr rtlCol="0" anchor="ctr"/>
+          <a:lstStyle/>
+          <a:p>
+            <a:pPr algn="ctr"/>
+            <a:r>
+              <a:rPr lang="zh-CN" altLang="en-US" dirty="0"/>
+              <a:t>各部分的内容仍然指向</a:t>
+            </a:r>
+            <a:r>
+              <a:rPr lang="en-US" altLang="zh-CN" dirty="0" err="1"/>
+              <a:t>vDOM</a:t>
+            </a:r>
+            <a:endParaRPr lang="zh-CN" altLang="en-US" dirty="0"/>
+          </a:p>
+        </p:txBody>
+      </p:sp>
+    </p:spTree>
+    <p:extLst>
+      <p:ext uri="{BB962C8B-B14F-4D97-AF65-F5344CB8AC3E}">
+        <p14:creationId xmlns:p14="http://schemas.microsoft.com/office/powerpoint/2010/main" val="697483720"/>
+      </p:ext>
+    </p:extLst>
+  </p:cSld>
+  <p:clrMapOvr>
+    <a:masterClrMapping/>
+  </p:clrMapOvr>
 </p:sld>
 </file>
 
